--- a/presentation.pptx
+++ b/presentation.pptx
@@ -12731,14 +12731,46 @@
           <a:p>
             <a:r>
               <a:rPr lang="en-US" sz="2400" dirty="0"/>
-              <a:t>Complex “Model” offline, simple “model” online</a:t>
+              <a:t>Complex “</a:t>
+            </a:r>
+            <a:r>
+              <a:rPr lang="en-US" altLang="zh-CN" sz="2400" dirty="0"/>
+              <a:t>m</a:t>
+            </a:r>
+            <a:r>
+              <a:rPr lang="en-US" sz="2400" dirty="0"/>
+              <a:t>odel” offline, simple “model” online</a:t>
             </a:r>
           </a:p>
           <a:p>
             <a:pPr lvl="1"/>
             <a:r>
               <a:rPr lang="en-US" sz="2200" dirty="0"/>
-              <a:t>After analyzing data offline, we will improve online model with much less resources usage. </a:t>
+              <a:t>After analyzing data</a:t>
+            </a:r>
+            <a:r>
+              <a:rPr lang="zh-CN" altLang="en-US" sz="2200" dirty="0"/>
+              <a:t> </a:t>
+            </a:r>
+            <a:r>
+              <a:rPr lang="en-US" altLang="zh-CN" sz="2200" dirty="0"/>
+              <a:t>and</a:t>
+            </a:r>
+            <a:r>
+              <a:rPr lang="zh-CN" altLang="en-US" sz="2200" dirty="0"/>
+              <a:t> </a:t>
+            </a:r>
+            <a:r>
+              <a:rPr lang="en-US" altLang="zh-CN" sz="2200"/>
+              <a:t>results</a:t>
+            </a:r>
+            <a:r>
+              <a:rPr lang="en-US" sz="2200"/>
+              <a:t> </a:t>
+            </a:r>
+            <a:r>
+              <a:rPr lang="en-US" sz="2200" dirty="0"/>
+              <a:t>offline, we will improve online model with much less resources usage. </a:t>
             </a:r>
           </a:p>
         </p:txBody>

--- a/presentation.pptx
+++ b/presentation.pptx
@@ -8077,7 +8077,7 @@
         </p:nvSpPr>
         <p:spPr>
           <a:xfrm>
-            <a:off x="1069848" y="4913336"/>
+            <a:off x="865506" y="5184991"/>
             <a:ext cx="7891272" cy="1069848"/>
           </a:xfrm>
         </p:spPr>
@@ -8087,11 +8087,110 @@
           </a:bodyPr>
           <a:lstStyle/>
           <a:p>
-            <a:endParaRPr lang="en-US" altLang="zh-CN" sz="2400" dirty="0">
-              <a:solidFill>
-                <a:srgbClr val="000000"/>
-              </a:solidFill>
-            </a:endParaRPr>
+            <a:r>
+              <a:rPr lang="en-US" altLang="zh-CN" sz="2400" dirty="0">
+                <a:solidFill>
+                  <a:srgbClr val="000000"/>
+                </a:solidFill>
+              </a:rPr>
+              <a:t>Member:</a:t>
+            </a:r>
+            <a:r>
+              <a:rPr lang="zh-CN" altLang="en-US" sz="2400" dirty="0">
+                <a:solidFill>
+                  <a:srgbClr val="000000"/>
+                </a:solidFill>
+              </a:rPr>
+              <a:t> </a:t>
+            </a:r>
+            <a:r>
+              <a:rPr lang="en-US" altLang="zh-CN" sz="2400" dirty="0" err="1">
+                <a:solidFill>
+                  <a:srgbClr val="000000"/>
+                </a:solidFill>
+              </a:rPr>
+              <a:t>Kanghong</a:t>
+            </a:r>
+            <a:r>
+              <a:rPr lang="zh-CN" altLang="en-US" sz="2400" dirty="0">
+                <a:solidFill>
+                  <a:srgbClr val="000000"/>
+                </a:solidFill>
+              </a:rPr>
+              <a:t> </a:t>
+            </a:r>
+            <a:r>
+              <a:rPr lang="en-US" altLang="zh-CN" sz="2400" dirty="0">
+                <a:solidFill>
+                  <a:srgbClr val="000000"/>
+                </a:solidFill>
+              </a:rPr>
+              <a:t>Yan,</a:t>
+            </a:r>
+            <a:r>
+              <a:rPr lang="zh-CN" altLang="en-US" sz="2400" dirty="0">
+                <a:solidFill>
+                  <a:srgbClr val="000000"/>
+                </a:solidFill>
+              </a:rPr>
+              <a:t> </a:t>
+            </a:r>
+            <a:r>
+              <a:rPr lang="en-US" altLang="zh-CN" sz="2400" dirty="0" err="1">
+                <a:solidFill>
+                  <a:srgbClr val="000000"/>
+                </a:solidFill>
+              </a:rPr>
+              <a:t>Hanning</a:t>
+            </a:r>
+            <a:r>
+              <a:rPr lang="zh-CN" altLang="en-US" sz="2400" dirty="0">
+                <a:solidFill>
+                  <a:srgbClr val="000000"/>
+                </a:solidFill>
+              </a:rPr>
+              <a:t> </a:t>
+            </a:r>
+            <a:r>
+              <a:rPr lang="en-US" altLang="zh-CN" sz="2400" dirty="0">
+                <a:solidFill>
+                  <a:srgbClr val="000000"/>
+                </a:solidFill>
+              </a:rPr>
+              <a:t>Chen,</a:t>
+            </a:r>
+            <a:r>
+              <a:rPr lang="zh-CN" altLang="en-US" sz="2400" dirty="0">
+                <a:solidFill>
+                  <a:srgbClr val="000000"/>
+                </a:solidFill>
+              </a:rPr>
+              <a:t> </a:t>
+            </a:r>
+            <a:r>
+              <a:rPr lang="en-US" altLang="zh-CN" sz="2400" dirty="0" err="1">
+                <a:solidFill>
+                  <a:srgbClr val="000000"/>
+                </a:solidFill>
+              </a:rPr>
+              <a:t>Jiong</a:t>
+            </a:r>
+            <a:r>
+              <a:rPr lang="zh-CN" altLang="en-US" sz="2400" dirty="0">
+                <a:solidFill>
+                  <a:srgbClr val="000000"/>
+                </a:solidFill>
+              </a:rPr>
+              <a:t> </a:t>
+            </a:r>
+            <a:r>
+              <a:rPr lang="en-US" altLang="zh-CN" sz="2400" dirty="0">
+                <a:solidFill>
+                  <a:srgbClr val="000000"/>
+                </a:solidFill>
+              </a:rPr>
+              <a:t>Feng</a:t>
+            </a:r>
           </a:p>
           <a:p>
             <a:r>
@@ -8125,110 +8224,6 @@
             </a:endParaRPr>
           </a:p>
           <a:p>
-            <a:r>
-              <a:rPr lang="en-US" altLang="zh-CN" sz="2400" dirty="0">
-                <a:solidFill>
-                  <a:srgbClr val="000000"/>
-                </a:solidFill>
-              </a:rPr>
-              <a:t>Students:</a:t>
-            </a:r>
-            <a:r>
-              <a:rPr lang="zh-CN" altLang="en-US" sz="2400" dirty="0">
-                <a:solidFill>
-                  <a:srgbClr val="000000"/>
-                </a:solidFill>
-              </a:rPr>
-              <a:t> </a:t>
-            </a:r>
-            <a:r>
-              <a:rPr lang="en-US" altLang="zh-CN" sz="2400" dirty="0" err="1">
-                <a:solidFill>
-                  <a:srgbClr val="000000"/>
-                </a:solidFill>
-              </a:rPr>
-              <a:t>Kanghong</a:t>
-            </a:r>
-            <a:r>
-              <a:rPr lang="zh-CN" altLang="en-US" sz="2400" dirty="0">
-                <a:solidFill>
-                  <a:srgbClr val="000000"/>
-                </a:solidFill>
-              </a:rPr>
-              <a:t> </a:t>
-            </a:r>
-            <a:r>
-              <a:rPr lang="en-US" altLang="zh-CN" sz="2400" dirty="0">
-                <a:solidFill>
-                  <a:srgbClr val="000000"/>
-                </a:solidFill>
-              </a:rPr>
-              <a:t>Yan,</a:t>
-            </a:r>
-            <a:r>
-              <a:rPr lang="zh-CN" altLang="en-US" sz="2400" dirty="0">
-                <a:solidFill>
-                  <a:srgbClr val="000000"/>
-                </a:solidFill>
-              </a:rPr>
-              <a:t> </a:t>
-            </a:r>
-            <a:r>
-              <a:rPr lang="en-US" altLang="zh-CN" sz="2400" dirty="0" err="1">
-                <a:solidFill>
-                  <a:srgbClr val="000000"/>
-                </a:solidFill>
-              </a:rPr>
-              <a:t>Hanning</a:t>
-            </a:r>
-            <a:r>
-              <a:rPr lang="zh-CN" altLang="en-US" sz="2400" dirty="0">
-                <a:solidFill>
-                  <a:srgbClr val="000000"/>
-                </a:solidFill>
-              </a:rPr>
-              <a:t> </a:t>
-            </a:r>
-            <a:r>
-              <a:rPr lang="en-US" altLang="zh-CN" sz="2400" dirty="0">
-                <a:solidFill>
-                  <a:srgbClr val="000000"/>
-                </a:solidFill>
-              </a:rPr>
-              <a:t>Chen,</a:t>
-            </a:r>
-            <a:r>
-              <a:rPr lang="zh-CN" altLang="en-US" sz="2400" dirty="0">
-                <a:solidFill>
-                  <a:srgbClr val="000000"/>
-                </a:solidFill>
-              </a:rPr>
-              <a:t> </a:t>
-            </a:r>
-            <a:r>
-              <a:rPr lang="en-US" altLang="zh-CN" sz="2400" dirty="0" err="1">
-                <a:solidFill>
-                  <a:srgbClr val="000000"/>
-                </a:solidFill>
-              </a:rPr>
-              <a:t>Jiong</a:t>
-            </a:r>
-            <a:r>
-              <a:rPr lang="zh-CN" altLang="en-US" sz="2400" dirty="0">
-                <a:solidFill>
-                  <a:srgbClr val="000000"/>
-                </a:solidFill>
-              </a:rPr>
-              <a:t> </a:t>
-            </a:r>
-            <a:r>
-              <a:rPr lang="en-US" altLang="zh-CN" sz="2400" dirty="0">
-                <a:solidFill>
-                  <a:srgbClr val="000000"/>
-                </a:solidFill>
-              </a:rPr>
-              <a:t>Feng</a:t>
-            </a:r>
             <a:endParaRPr lang="en-US" sz="2400" dirty="0">
               <a:solidFill>
                 <a:srgbClr val="000000"/>
@@ -12761,16 +12756,12 @@
               <a:t> </a:t>
             </a:r>
             <a:r>
-              <a:rPr lang="en-US" altLang="zh-CN" sz="2200"/>
+              <a:rPr lang="en-US" altLang="zh-CN" sz="2200" dirty="0"/>
               <a:t>results</a:t>
             </a:r>
             <a:r>
-              <a:rPr lang="en-US" sz="2200"/>
-              <a:t> </a:t>
-            </a:r>
-            <a:r>
               <a:rPr lang="en-US" sz="2200" dirty="0"/>
-              <a:t>offline, we will improve online model with much less resources usage. </a:t>
+              <a:t> offline, we will improve online model with much less resources usage. </a:t>
             </a:r>
           </a:p>
         </p:txBody>

--- a/presentation.pptx
+++ b/presentation.pptx
@@ -14,8 +14,9 @@
     <p:sldId id="262" r:id="rId8"/>
     <p:sldId id="263" r:id="rId9"/>
     <p:sldId id="264" r:id="rId10"/>
-    <p:sldId id="265" r:id="rId11"/>
-    <p:sldId id="257" r:id="rId12"/>
+    <p:sldId id="269" r:id="rId11"/>
+    <p:sldId id="265" r:id="rId12"/>
+    <p:sldId id="257" r:id="rId13"/>
   </p:sldIdLst>
   <p:sldSz cx="12192000" cy="6858000"/>
   <p:notesSz cx="6858000" cy="9144000"/>
@@ -8390,6 +8391,692 @@
 <file path=ppt/slides/slide10.xml><?xml version="1.0" encoding="utf-8"?>
 <p:sld xmlns:a="http://schemas.openxmlformats.org/drawingml/2006/main" xmlns:r="http://schemas.openxmlformats.org/officeDocument/2006/relationships" xmlns:p="http://schemas.openxmlformats.org/presentationml/2006/main">
   <p:cSld>
+    <p:spTree>
+      <p:nvGrpSpPr>
+        <p:cNvPr id="1" name=""/>
+        <p:cNvGrpSpPr/>
+        <p:nvPr/>
+      </p:nvGrpSpPr>
+      <p:grpSpPr>
+        <a:xfrm>
+          <a:off x="0" y="0"/>
+          <a:ext cx="0" cy="0"/>
+          <a:chOff x="0" y="0"/>
+          <a:chExt cx="0" cy="0"/>
+        </a:xfrm>
+      </p:grpSpPr>
+      <p:sp>
+        <p:nvSpPr>
+          <p:cNvPr id="7" name="Rectangle 6"/>
+          <p:cNvSpPr>
+            <a:spLocks noGrp="1" noRot="1" noChangeAspect="1" noMove="1" noResize="1" noEditPoints="1" noAdjustHandles="1" noChangeArrowheads="1" noChangeShapeType="1" noTextEdit="1"/>
+          </p:cNvSpPr>
+          <p:nvPr/>
+        </p:nvSpPr>
+        <p:spPr>
+          <a:xfrm>
+            <a:off x="920834" y="1346946"/>
+            <a:ext cx="10222992" cy="80683"/>
+          </a:xfrm>
+          <a:prstGeom prst="rect">
+            <a:avLst/>
+          </a:prstGeom>
+          <a:blipFill dpi="0" rotWithShape="1">
+            <a:blip r:embed="rId2">
+              <a:alphaModFix amt="85000"/>
+              <a:lum bright="70000" contrast="-70000"/>
+              <a:extLst>
+                <a:ext uri="{BEBA8EAE-BF5A-486C-A8C5-ECC9F3942E4B}">
+                  <a14:imgProps xmlns:a14="http://schemas.microsoft.com/office/drawing/2010/main">
+                    <a14:imgLayer r:embed="rId3">
+                      <a14:imgEffect>
+                        <a14:sharpenSoften amount="61000"/>
+                      </a14:imgEffect>
+                    </a14:imgLayer>
+                  </a14:imgProps>
+                </a:ext>
+                <a:ext uri="{28A0092B-C50C-407E-A947-70E740481C1C}">
+                  <a14:useLocalDpi xmlns:a14="http://schemas.microsoft.com/office/drawing/2010/main" val="0"/>
+                </a:ext>
+              </a:extLst>
+            </a:blip>
+            <a:srcRect/>
+            <a:tile tx="0" ty="-762000" sx="92000" sy="89000" flip="xy" algn="ctr"/>
+          </a:blipFill>
+          <a:ln>
+            <a:noFill/>
+          </a:ln>
+        </p:spPr>
+        <p:style>
+          <a:lnRef idx="2">
+            <a:schemeClr val="accent1">
+              <a:shade val="50000"/>
+            </a:schemeClr>
+          </a:lnRef>
+          <a:fillRef idx="1">
+            <a:schemeClr val="accent1"/>
+          </a:fillRef>
+          <a:effectRef idx="0">
+            <a:schemeClr val="accent1"/>
+          </a:effectRef>
+          <a:fontRef idx="minor">
+            <a:schemeClr val="lt1"/>
+          </a:fontRef>
+        </p:style>
+      </p:sp>
+      <p:sp>
+        <p:nvSpPr>
+          <p:cNvPr id="9" name="Rectangle 8"/>
+          <p:cNvSpPr>
+            <a:spLocks noGrp="1" noRot="1" noChangeAspect="1" noMove="1" noResize="1" noEditPoints="1" noAdjustHandles="1" noChangeArrowheads="1" noChangeShapeType="1" noTextEdit="1"/>
+          </p:cNvSpPr>
+          <p:nvPr/>
+        </p:nvSpPr>
+        <p:spPr>
+          <a:xfrm>
+            <a:off x="920834" y="4299696"/>
+            <a:ext cx="10222992" cy="80683"/>
+          </a:xfrm>
+          <a:prstGeom prst="rect">
+            <a:avLst/>
+          </a:prstGeom>
+          <a:blipFill dpi="0" rotWithShape="1">
+            <a:blip r:embed="rId2">
+              <a:alphaModFix amt="85000"/>
+              <a:lum bright="70000" contrast="-70000"/>
+              <a:extLst>
+                <a:ext uri="{BEBA8EAE-BF5A-486C-A8C5-ECC9F3942E4B}">
+                  <a14:imgProps xmlns:a14="http://schemas.microsoft.com/office/drawing/2010/main">
+                    <a14:imgLayer r:embed="rId3">
+                      <a14:imgEffect>
+                        <a14:sharpenSoften amount="61000"/>
+                      </a14:imgEffect>
+                    </a14:imgLayer>
+                  </a14:imgProps>
+                </a:ext>
+                <a:ext uri="{28A0092B-C50C-407E-A947-70E740481C1C}">
+                  <a14:useLocalDpi xmlns:a14="http://schemas.microsoft.com/office/drawing/2010/main" val="0"/>
+                </a:ext>
+              </a:extLst>
+            </a:blip>
+            <a:srcRect/>
+            <a:tile tx="0" ty="-717550" sx="92000" sy="89000" flip="xy" algn="ctr"/>
+          </a:blipFill>
+          <a:ln>
+            <a:noFill/>
+          </a:ln>
+        </p:spPr>
+        <p:style>
+          <a:lnRef idx="2">
+            <a:schemeClr val="accent1">
+              <a:shade val="50000"/>
+            </a:schemeClr>
+          </a:lnRef>
+          <a:fillRef idx="1">
+            <a:schemeClr val="accent1"/>
+          </a:fillRef>
+          <a:effectRef idx="0">
+            <a:schemeClr val="accent1"/>
+          </a:effectRef>
+          <a:fontRef idx="minor">
+            <a:schemeClr val="lt1"/>
+          </a:fontRef>
+        </p:style>
+      </p:sp>
+      <p:sp>
+        <p:nvSpPr>
+          <p:cNvPr id="11" name="Rectangle 10"/>
+          <p:cNvSpPr>
+            <a:spLocks noGrp="1" noRot="1" noChangeAspect="1" noMove="1" noResize="1" noEditPoints="1" noAdjustHandles="1" noChangeArrowheads="1" noChangeShapeType="1" noTextEdit="1"/>
+          </p:cNvSpPr>
+          <p:nvPr/>
+        </p:nvSpPr>
+        <p:spPr>
+          <a:xfrm>
+            <a:off x="920834" y="1484779"/>
+            <a:ext cx="10222992" cy="2743200"/>
+          </a:xfrm>
+          <a:prstGeom prst="rect">
+            <a:avLst/>
+          </a:prstGeom>
+          <a:blipFill dpi="0" rotWithShape="1">
+            <a:blip r:embed="rId2">
+              <a:alphaModFix amt="85000"/>
+              <a:lum bright="70000" contrast="-70000"/>
+              <a:extLst>
+                <a:ext uri="{BEBA8EAE-BF5A-486C-A8C5-ECC9F3942E4B}">
+                  <a14:imgProps xmlns:a14="http://schemas.microsoft.com/office/drawing/2010/main">
+                    <a14:imgLayer r:embed="rId3">
+                      <a14:imgEffect>
+                        <a14:sharpenSoften amount="61000"/>
+                      </a14:imgEffect>
+                    </a14:imgLayer>
+                  </a14:imgProps>
+                </a:ext>
+                <a:ext uri="{28A0092B-C50C-407E-A947-70E740481C1C}">
+                  <a14:useLocalDpi xmlns:a14="http://schemas.microsoft.com/office/drawing/2010/main" val="0"/>
+                </a:ext>
+              </a:extLst>
+            </a:blip>
+            <a:srcRect/>
+            <a:tile tx="0" ty="-704850" sx="92000" sy="89000" flip="xy" algn="ctr"/>
+          </a:blipFill>
+          <a:ln>
+            <a:noFill/>
+          </a:ln>
+        </p:spPr>
+        <p:style>
+          <a:lnRef idx="2">
+            <a:schemeClr val="accent1">
+              <a:shade val="50000"/>
+            </a:schemeClr>
+          </a:lnRef>
+          <a:fillRef idx="1">
+            <a:schemeClr val="accent1"/>
+          </a:fillRef>
+          <a:effectRef idx="0">
+            <a:schemeClr val="accent1"/>
+          </a:effectRef>
+          <a:fontRef idx="minor">
+            <a:schemeClr val="lt1"/>
+          </a:fontRef>
+        </p:style>
+      </p:sp>
+      <p:grpSp>
+        <p:nvGrpSpPr>
+          <p:cNvPr id="13" name="Group 12"/>
+          <p:cNvGrpSpPr>
+            <a:grpSpLocks noGrp="1" noUngrp="1" noRot="1" noChangeAspect="1" noMove="1" noResize="1"/>
+          </p:cNvGrpSpPr>
+          <p:nvPr/>
+        </p:nvGrpSpPr>
+        <p:grpSpPr>
+          <a:xfrm>
+            <a:off x="9649215" y="4068923"/>
+            <a:ext cx="1080904" cy="1080902"/>
+            <a:chOff x="9685338" y="4460675"/>
+            <a:chExt cx="1080904" cy="1080902"/>
+          </a:xfrm>
+        </p:grpSpPr>
+        <p:sp>
+          <p:nvSpPr>
+            <p:cNvPr id="14" name="Oval 13"/>
+            <p:cNvSpPr/>
+            <p:nvPr/>
+          </p:nvSpPr>
+          <p:spPr>
+            <a:xfrm>
+              <a:off x="9685338" y="4460675"/>
+              <a:ext cx="1080904" cy="1080902"/>
+            </a:xfrm>
+            <a:prstGeom prst="ellipse">
+              <a:avLst/>
+            </a:prstGeom>
+            <a:blipFill dpi="0" rotWithShape="1">
+              <a:blip r:embed="rId4">
+                <a:duotone>
+                  <a:schemeClr val="accent1">
+                    <a:shade val="45000"/>
+                    <a:satMod val="135000"/>
+                  </a:schemeClr>
+                  <a:prstClr val="white"/>
+                </a:duotone>
+                <a:extLst>
+                  <a:ext uri="{BEBA8EAE-BF5A-486C-A8C5-ECC9F3942E4B}">
+                    <a14:imgProps xmlns:a14="http://schemas.microsoft.com/office/drawing/2010/main">
+                      <a14:imgLayer r:embed="rId5">
+                        <a14:imgEffect>
+                          <a14:saturation sat="95000"/>
+                        </a14:imgEffect>
+                      </a14:imgLayer>
+                    </a14:imgProps>
+                  </a:ext>
+                </a:extLst>
+              </a:blip>
+              <a:srcRect/>
+              <a:tile tx="0" ty="0" sx="85000" sy="85000" flip="none" algn="tl"/>
+            </a:blipFill>
+            <a:ln w="25400" cap="flat" cmpd="sng" algn="ctr">
+              <a:noFill/>
+              <a:prstDash val="solid"/>
+            </a:ln>
+            <a:effectLst/>
+          </p:spPr>
+        </p:sp>
+        <p:sp>
+          <p:nvSpPr>
+            <p:cNvPr id="15" name="Oval 14"/>
+            <p:cNvSpPr/>
+            <p:nvPr/>
+          </p:nvSpPr>
+          <p:spPr>
+            <a:xfrm>
+              <a:off x="9793429" y="4568765"/>
+              <a:ext cx="864723" cy="864722"/>
+            </a:xfrm>
+            <a:prstGeom prst="ellipse">
+              <a:avLst/>
+            </a:prstGeom>
+            <a:noFill/>
+            <a:ln w="25400" cap="flat" cmpd="sng" algn="ctr">
+              <a:solidFill>
+                <a:sysClr val="window" lastClr="FFFFFF"/>
+              </a:solidFill>
+              <a:prstDash val="solid"/>
+            </a:ln>
+            <a:effectLst/>
+          </p:spPr>
+        </p:sp>
+      </p:grpSp>
+      <p:sp useBgFill="1">
+        <p:nvSpPr>
+          <p:cNvPr id="17" name="Rectangle 16"/>
+          <p:cNvSpPr>
+            <a:spLocks noGrp="1" noRot="1" noChangeAspect="1" noMove="1" noResize="1" noEditPoints="1" noAdjustHandles="1" noChangeArrowheads="1" noChangeShapeType="1" noTextEdit="1"/>
+          </p:cNvSpPr>
+          <p:nvPr/>
+        </p:nvSpPr>
+        <p:spPr bwMode="white">
+          <a:xfrm>
+            <a:off x="0" y="0"/>
+            <a:ext cx="12188952" cy="6858001"/>
+          </a:xfrm>
+          <a:prstGeom prst="rect">
+            <a:avLst/>
+          </a:prstGeom>
+          <a:ln>
+            <a:noFill/>
+          </a:ln>
+        </p:spPr>
+        <p:style>
+          <a:lnRef idx="2">
+            <a:schemeClr val="accent1">
+              <a:shade val="50000"/>
+            </a:schemeClr>
+          </a:lnRef>
+          <a:fillRef idx="1">
+            <a:schemeClr val="accent1"/>
+          </a:fillRef>
+          <a:effectRef idx="0">
+            <a:schemeClr val="accent1"/>
+          </a:effectRef>
+          <a:fontRef idx="minor">
+            <a:schemeClr val="lt1"/>
+          </a:fontRef>
+        </p:style>
+        <p:txBody>
+          <a:bodyPr rot="0" spcFirstLastPara="0" vert="horz" wrap="square" lIns="91440" tIns="45720" rIns="91440" bIns="45720" numCol="1" spcCol="0" rtlCol="0" fromWordArt="0" anchor="ctr" anchorCtr="0" forceAA="0" compatLnSpc="1">
+            <a:noAutofit/>
+          </a:bodyPr>
+          <a:lstStyle>
+            <a:defPPr>
+              <a:defRPr lang="en-US"/>
+            </a:defPPr>
+            <a:lvl1pPr marL="0" algn="l" defTabSz="914400" rtl="0" eaLnBrk="1" latinLnBrk="0" hangingPunct="1">
+              <a:defRPr sz="1800" kern="1200">
+                <a:solidFill>
+                  <a:schemeClr val="lt1"/>
+                </a:solidFill>
+                <a:latin typeface="+mn-lt"/>
+                <a:ea typeface="+mn-ea"/>
+                <a:cs typeface="+mn-cs"/>
+              </a:defRPr>
+            </a:lvl1pPr>
+            <a:lvl2pPr marL="457200" algn="l" defTabSz="914400" rtl="0" eaLnBrk="1" latinLnBrk="0" hangingPunct="1">
+              <a:defRPr sz="1800" kern="1200">
+                <a:solidFill>
+                  <a:schemeClr val="lt1"/>
+                </a:solidFill>
+                <a:latin typeface="+mn-lt"/>
+                <a:ea typeface="+mn-ea"/>
+                <a:cs typeface="+mn-cs"/>
+              </a:defRPr>
+            </a:lvl2pPr>
+            <a:lvl3pPr marL="914400" algn="l" defTabSz="914400" rtl="0" eaLnBrk="1" latinLnBrk="0" hangingPunct="1">
+              <a:defRPr sz="1800" kern="1200">
+                <a:solidFill>
+                  <a:schemeClr val="lt1"/>
+                </a:solidFill>
+                <a:latin typeface="+mn-lt"/>
+                <a:ea typeface="+mn-ea"/>
+                <a:cs typeface="+mn-cs"/>
+              </a:defRPr>
+            </a:lvl3pPr>
+            <a:lvl4pPr marL="1371600" algn="l" defTabSz="914400" rtl="0" eaLnBrk="1" latinLnBrk="0" hangingPunct="1">
+              <a:defRPr sz="1800" kern="1200">
+                <a:solidFill>
+                  <a:schemeClr val="lt1"/>
+                </a:solidFill>
+                <a:latin typeface="+mn-lt"/>
+                <a:ea typeface="+mn-ea"/>
+                <a:cs typeface="+mn-cs"/>
+              </a:defRPr>
+            </a:lvl4pPr>
+            <a:lvl5pPr marL="1828800" algn="l" defTabSz="914400" rtl="0" eaLnBrk="1" latinLnBrk="0" hangingPunct="1">
+              <a:defRPr sz="1800" kern="1200">
+                <a:solidFill>
+                  <a:schemeClr val="lt1"/>
+                </a:solidFill>
+                <a:latin typeface="+mn-lt"/>
+                <a:ea typeface="+mn-ea"/>
+                <a:cs typeface="+mn-cs"/>
+              </a:defRPr>
+            </a:lvl5pPr>
+            <a:lvl6pPr marL="2286000" algn="l" defTabSz="914400" rtl="0" eaLnBrk="1" latinLnBrk="0" hangingPunct="1">
+              <a:defRPr sz="1800" kern="1200">
+                <a:solidFill>
+                  <a:schemeClr val="lt1"/>
+                </a:solidFill>
+                <a:latin typeface="+mn-lt"/>
+                <a:ea typeface="+mn-ea"/>
+                <a:cs typeface="+mn-cs"/>
+              </a:defRPr>
+            </a:lvl6pPr>
+            <a:lvl7pPr marL="2743200" algn="l" defTabSz="914400" rtl="0" eaLnBrk="1" latinLnBrk="0" hangingPunct="1">
+              <a:defRPr sz="1800" kern="1200">
+                <a:solidFill>
+                  <a:schemeClr val="lt1"/>
+                </a:solidFill>
+                <a:latin typeface="+mn-lt"/>
+                <a:ea typeface="+mn-ea"/>
+                <a:cs typeface="+mn-cs"/>
+              </a:defRPr>
+            </a:lvl7pPr>
+            <a:lvl8pPr marL="3200400" algn="l" defTabSz="914400" rtl="0" eaLnBrk="1" latinLnBrk="0" hangingPunct="1">
+              <a:defRPr sz="1800" kern="1200">
+                <a:solidFill>
+                  <a:schemeClr val="lt1"/>
+                </a:solidFill>
+                <a:latin typeface="+mn-lt"/>
+                <a:ea typeface="+mn-ea"/>
+                <a:cs typeface="+mn-cs"/>
+              </a:defRPr>
+            </a:lvl8pPr>
+            <a:lvl9pPr marL="3657600" algn="l" defTabSz="914400" rtl="0" eaLnBrk="1" latinLnBrk="0" hangingPunct="1">
+              <a:defRPr sz="1800" kern="1200">
+                <a:solidFill>
+                  <a:schemeClr val="lt1"/>
+                </a:solidFill>
+                <a:latin typeface="+mn-lt"/>
+                <a:ea typeface="+mn-ea"/>
+                <a:cs typeface="+mn-cs"/>
+              </a:defRPr>
+            </a:lvl9pPr>
+          </a:lstStyle>
+          <a:p>
+            <a:pPr algn="ctr"/>
+            <a:endParaRPr lang="en-US"/>
+          </a:p>
+        </p:txBody>
+      </p:sp>
+      <p:sp>
+        <p:nvSpPr>
+          <p:cNvPr id="2" name="Title 1"/>
+          <p:cNvSpPr>
+            <a:spLocks noGrp="1"/>
+          </p:cNvSpPr>
+          <p:nvPr>
+            <p:ph type="title"/>
+          </p:nvPr>
+        </p:nvSpPr>
+        <p:spPr>
+          <a:xfrm>
+            <a:off x="3329250" y="1224709"/>
+            <a:ext cx="8337139" cy="3104284"/>
+          </a:xfrm>
+        </p:spPr>
+        <p:txBody>
+          <a:bodyPr vert="horz" lIns="91440" tIns="45720" rIns="91440" bIns="45720" rtlCol="0" anchor="ctr">
+            <a:normAutofit/>
+          </a:bodyPr>
+          <a:lstStyle/>
+          <a:p>
+            <a:pPr>
+              <a:lnSpc>
+                <a:spcPct val="80000"/>
+              </a:lnSpc>
+            </a:pPr>
+            <a:r>
+              <a:rPr lang="en-US" altLang="zh-CN" sz="9600" dirty="0">
+                <a:blipFill dpi="0" rotWithShape="1">
+                  <a:blip r:embed="rId4"/>
+                  <a:srcRect/>
+                  <a:tile tx="6350" ty="-127000" sx="65000" sy="64000" flip="none" algn="tl"/>
+                </a:blipFill>
+              </a:rPr>
+              <a:t>Questions?</a:t>
+            </a:r>
+            <a:endParaRPr lang="en-US" sz="9600" dirty="0">
+              <a:blipFill dpi="0" rotWithShape="1">
+                <a:blip r:embed="rId4"/>
+                <a:srcRect/>
+                <a:tile tx="6350" ty="-127000" sx="65000" sy="64000" flip="none" algn="tl"/>
+              </a:blipFill>
+            </a:endParaRPr>
+          </a:p>
+        </p:txBody>
+      </p:sp>
+      <p:sp>
+        <p:nvSpPr>
+          <p:cNvPr id="19" name="Rectangle 18"/>
+          <p:cNvSpPr>
+            <a:spLocks noGrp="1" noRot="1" noChangeAspect="1" noMove="1" noResize="1" noEditPoints="1" noAdjustHandles="1" noChangeArrowheads="1" noChangeShapeType="1" noTextEdit="1"/>
+          </p:cNvSpPr>
+          <p:nvPr/>
+        </p:nvSpPr>
+        <p:spPr>
+          <a:xfrm>
+            <a:off x="0" y="4572000"/>
+            <a:ext cx="12192000" cy="2295831"/>
+          </a:xfrm>
+          <a:prstGeom prst="rect">
+            <a:avLst/>
+          </a:prstGeom>
+          <a:blipFill dpi="0" rotWithShape="1">
+            <a:blip r:embed="rId2">
+              <a:alphaModFix amt="85000"/>
+              <a:lum bright="70000" contrast="-70000"/>
+              <a:extLst>
+                <a:ext uri="{28A0092B-C50C-407E-A947-70E740481C1C}">
+                  <a14:useLocalDpi xmlns:a14="http://schemas.microsoft.com/office/drawing/2010/main" val="0"/>
+                </a:ext>
+              </a:extLst>
+            </a:blip>
+            <a:srcRect/>
+            <a:tile tx="0" ty="-704850" sx="92000" sy="89000" flip="xy" algn="ctr"/>
+          </a:blipFill>
+          <a:ln>
+            <a:noFill/>
+          </a:ln>
+        </p:spPr>
+        <p:style>
+          <a:lnRef idx="2">
+            <a:schemeClr val="accent1">
+              <a:shade val="50000"/>
+            </a:schemeClr>
+          </a:lnRef>
+          <a:fillRef idx="1">
+            <a:schemeClr val="accent1"/>
+          </a:fillRef>
+          <a:effectRef idx="0">
+            <a:schemeClr val="accent1"/>
+          </a:effectRef>
+          <a:fontRef idx="minor">
+            <a:schemeClr val="lt1"/>
+          </a:fontRef>
+        </p:style>
+        <p:txBody>
+          <a:bodyPr rtlCol="0" anchor="ctr"/>
+          <a:lstStyle/>
+          <a:p>
+            <a:pPr algn="ctr"/>
+            <a:endParaRPr lang="en-US"/>
+          </a:p>
+        </p:txBody>
+      </p:sp>
+      <p:grpSp>
+        <p:nvGrpSpPr>
+          <p:cNvPr id="21" name="Group 20"/>
+          <p:cNvGrpSpPr>
+            <a:grpSpLocks noGrp="1" noUngrp="1" noRot="1" noChangeAspect="1" noMove="1" noResize="1"/>
+          </p:cNvGrpSpPr>
+          <p:nvPr/>
+        </p:nvGrpSpPr>
+        <p:grpSpPr>
+          <a:xfrm>
+            <a:off x="10245590" y="5111496"/>
+            <a:ext cx="1080904" cy="1080902"/>
+            <a:chOff x="10245590" y="5111496"/>
+            <a:chExt cx="1080904" cy="1080902"/>
+          </a:xfrm>
+        </p:grpSpPr>
+        <p:sp>
+          <p:nvSpPr>
+            <p:cNvPr id="22" name="Oval 21"/>
+            <p:cNvSpPr/>
+            <p:nvPr/>
+          </p:nvSpPr>
+          <p:spPr>
+            <a:xfrm>
+              <a:off x="10245590" y="5111496"/>
+              <a:ext cx="1080904" cy="1080902"/>
+            </a:xfrm>
+            <a:prstGeom prst="ellipse">
+              <a:avLst/>
+            </a:prstGeom>
+            <a:blipFill dpi="0" rotWithShape="1">
+              <a:blip r:embed="rId4">
+                <a:duotone>
+                  <a:schemeClr val="accent1">
+                    <a:shade val="45000"/>
+                    <a:satMod val="135000"/>
+                  </a:schemeClr>
+                  <a:prstClr val="white"/>
+                </a:duotone>
+              </a:blip>
+              <a:srcRect/>
+              <a:tile tx="0" ty="0" sx="85000" sy="85000" flip="none" algn="tl"/>
+            </a:blipFill>
+            <a:ln w="25400" cap="flat" cmpd="sng" algn="ctr">
+              <a:noFill/>
+              <a:prstDash val="solid"/>
+            </a:ln>
+            <a:effectLst/>
+          </p:spPr>
+          <p:txBody>
+            <a:bodyPr lIns="0" tIns="0" rIns="0" bIns="0" rtlCol="0" anchor="ctr"/>
+            <a:lstStyle/>
+            <a:p>
+              <a:pPr marL="0" marR="0" lvl="0" indent="0" algn="ctr" defTabSz="914400" eaLnBrk="1" fontAlgn="auto" latinLnBrk="0" hangingPunct="1">
+                <a:lnSpc>
+                  <a:spcPct val="100000"/>
+                </a:lnSpc>
+                <a:spcBef>
+                  <a:spcPts val="0"/>
+                </a:spcBef>
+                <a:spcAft>
+                  <a:spcPts val="0"/>
+                </a:spcAft>
+                <a:buClrTx/>
+                <a:buSzTx/>
+                <a:buFontTx/>
+                <a:buNone/>
+                <a:defRPr/>
+              </a:pPr>
+              <a:endParaRPr kumimoji="0" lang="en-US" sz="2000" b="0" i="0" u="none" strike="noStrike" kern="0" cap="none" spc="0" normalizeH="0" baseline="0" noProof="0" dirty="0">
+                <a:ln>
+                  <a:noFill/>
+                </a:ln>
+                <a:solidFill>
+                  <a:prstClr val="white"/>
+                </a:solidFill>
+                <a:effectLst/>
+                <a:uLnTx/>
+                <a:uFillTx/>
+                <a:latin typeface="Rockwell Extra Bold" panose="02060903040505020403" pitchFamily="18" charset="0"/>
+                <a:ea typeface="+mn-ea"/>
+                <a:cs typeface="+mn-cs"/>
+              </a:endParaRPr>
+            </a:p>
+          </p:txBody>
+        </p:sp>
+        <p:sp>
+          <p:nvSpPr>
+            <p:cNvPr id="23" name="Oval 22"/>
+            <p:cNvSpPr/>
+            <p:nvPr/>
+          </p:nvSpPr>
+          <p:spPr>
+            <a:xfrm>
+              <a:off x="10353681" y="5219586"/>
+              <a:ext cx="864723" cy="864722"/>
+            </a:xfrm>
+            <a:prstGeom prst="ellipse">
+              <a:avLst/>
+            </a:prstGeom>
+            <a:noFill/>
+            <a:ln w="25400" cap="flat" cmpd="sng" algn="ctr">
+              <a:solidFill>
+                <a:sysClr val="window" lastClr="FFFFFF"/>
+              </a:solidFill>
+              <a:prstDash val="solid"/>
+            </a:ln>
+            <a:effectLst/>
+          </p:spPr>
+          <p:txBody>
+            <a:bodyPr rtlCol="0" anchor="ctr"/>
+            <a:lstStyle/>
+            <a:p>
+              <a:pPr marL="0" marR="0" lvl="0" indent="0" algn="ctr" defTabSz="914400" eaLnBrk="1" fontAlgn="auto" latinLnBrk="0" hangingPunct="1">
+                <a:lnSpc>
+                  <a:spcPct val="100000"/>
+                </a:lnSpc>
+                <a:spcBef>
+                  <a:spcPts val="0"/>
+                </a:spcBef>
+                <a:spcAft>
+                  <a:spcPts val="0"/>
+                </a:spcAft>
+                <a:buClrTx/>
+                <a:buSzTx/>
+                <a:buFontTx/>
+                <a:buNone/>
+                <a:defRPr/>
+              </a:pPr>
+              <a:endParaRPr kumimoji="0" lang="en-US" sz="1800" b="0" i="0" u="none" strike="noStrike" kern="0" cap="none" spc="0" normalizeH="0" baseline="0" noProof="0" dirty="0">
+                <a:ln>
+                  <a:noFill/>
+                </a:ln>
+                <a:solidFill>
+                  <a:prstClr val="white"/>
+                </a:solidFill>
+                <a:effectLst/>
+                <a:uLnTx/>
+                <a:uFillTx/>
+                <a:latin typeface="Calibri" panose="020F0502020204030204"/>
+                <a:ea typeface="+mn-ea"/>
+                <a:cs typeface="+mn-cs"/>
+              </a:endParaRPr>
+            </a:p>
+          </p:txBody>
+        </p:sp>
+      </p:grpSp>
+    </p:spTree>
+    <p:extLst>
+      <p:ext uri="{BB962C8B-B14F-4D97-AF65-F5344CB8AC3E}">
+        <p14:creationId xmlns:p14="http://schemas.microsoft.com/office/powerpoint/2010/main" val="4124708119"/>
+      </p:ext>
+    </p:extLst>
+  </p:cSld>
+  <p:clrMapOvr>
+    <a:masterClrMapping/>
+  </p:clrMapOvr>
+</p:sld>
+</file>
+
+<file path=ppt/slides/slide11.xml><?xml version="1.0" encoding="utf-8"?>
+<p:sld xmlns:a="http://schemas.openxmlformats.org/drawingml/2006/main" xmlns:r="http://schemas.openxmlformats.org/officeDocument/2006/relationships" xmlns:p="http://schemas.openxmlformats.org/presentationml/2006/main">
+  <p:cSld>
     <p:bg>
       <p:bgPr>
         <a:solidFill>
@@ -8467,7 +9154,7 @@
 </p:sld>
 </file>
 
-<file path=ppt/slides/slide11.xml><?xml version="1.0" encoding="utf-8"?>
+<file path=ppt/slides/slide12.xml><?xml version="1.0" encoding="utf-8"?>
 <p:sld xmlns:a="http://schemas.openxmlformats.org/drawingml/2006/main" xmlns:r="http://schemas.openxmlformats.org/officeDocument/2006/relationships" xmlns:p="http://schemas.openxmlformats.org/presentationml/2006/main">
   <p:cSld>
     <p:spTree>
@@ -14144,8 +14831,8 @@
         </p:nvSpPr>
         <p:spPr>
           <a:xfrm>
-            <a:off x="1569971" y="1099602"/>
-            <a:ext cx="8337139" cy="3104284"/>
+            <a:off x="3431527" y="1619250"/>
+            <a:ext cx="5605793" cy="2117318"/>
           </a:xfrm>
         </p:spPr>
         <p:txBody>

--- a/presentation.pptx
+++ b/presentation.pptx
@@ -17,6 +17,7 @@
     <p:sldId id="269" r:id="rId11"/>
     <p:sldId id="265" r:id="rId12"/>
     <p:sldId id="257" r:id="rId13"/>
+    <p:sldId id="271" r:id="rId14"/>
   </p:sldIdLst>
   <p:sldSz cx="12192000" cy="6858000"/>
   <p:notesSz cx="6858000" cy="9144000"/>
@@ -4042,7 +4043,7 @@
           <a:p>
             <a:fld id="{AEACF533-26F3-064A-A93F-8F02FFC49F4C}" type="datetimeFigureOut">
               <a:rPr lang="en-US" smtClean="0"/>
-              <a:t>3/29/21</a:t>
+              <a:t>4/9/21</a:t>
             </a:fld>
             <a:endParaRPr lang="en-US"/>
           </a:p>
@@ -4214,7 +4215,7 @@
           <a:p>
             <a:fld id="{AEACF533-26F3-064A-A93F-8F02FFC49F4C}" type="datetimeFigureOut">
               <a:rPr lang="en-US" smtClean="0"/>
-              <a:t>3/29/21</a:t>
+              <a:t>4/9/21</a:t>
             </a:fld>
             <a:endParaRPr lang="en-US"/>
           </a:p>
@@ -4389,7 +4390,7 @@
           <a:p>
             <a:fld id="{AEACF533-26F3-064A-A93F-8F02FFC49F4C}" type="datetimeFigureOut">
               <a:rPr lang="en-US" smtClean="0"/>
-              <a:t>3/29/21</a:t>
+              <a:t>4/9/21</a:t>
             </a:fld>
             <a:endParaRPr lang="en-US"/>
           </a:p>
@@ -4554,7 +4555,7 @@
           <a:p>
             <a:fld id="{AEACF533-26F3-064A-A93F-8F02FFC49F4C}" type="datetimeFigureOut">
               <a:rPr lang="en-US" smtClean="0"/>
-              <a:t>3/29/21</a:t>
+              <a:t>4/9/21</a:t>
             </a:fld>
             <a:endParaRPr lang="en-US"/>
           </a:p>
@@ -4870,7 +4871,7 @@
           <a:p>
             <a:fld id="{AEACF533-26F3-064A-A93F-8F02FFC49F4C}" type="datetimeFigureOut">
               <a:rPr lang="en-US" smtClean="0"/>
-              <a:t>3/29/21</a:t>
+              <a:t>4/9/21</a:t>
             </a:fld>
             <a:endParaRPr lang="en-US"/>
           </a:p>
@@ -5323,7 +5324,7 @@
           <a:p>
             <a:fld id="{AEACF533-26F3-064A-A93F-8F02FFC49F4C}" type="datetimeFigureOut">
               <a:rPr lang="en-US" smtClean="0"/>
-              <a:t>3/29/21</a:t>
+              <a:t>4/9/21</a:t>
             </a:fld>
             <a:endParaRPr lang="en-US"/>
           </a:p>
@@ -5729,7 +5730,7 @@
           <a:p>
             <a:fld id="{AEACF533-26F3-064A-A93F-8F02FFC49F4C}" type="datetimeFigureOut">
               <a:rPr lang="en-US" smtClean="0"/>
-              <a:t>3/29/21</a:t>
+              <a:t>4/9/21</a:t>
             </a:fld>
             <a:endParaRPr lang="en-US"/>
           </a:p>
@@ -5842,7 +5843,7 @@
           <a:p>
             <a:fld id="{AEACF533-26F3-064A-A93F-8F02FFC49F4C}" type="datetimeFigureOut">
               <a:rPr lang="en-US" smtClean="0"/>
-              <a:t>3/29/21</a:t>
+              <a:t>4/9/21</a:t>
             </a:fld>
             <a:endParaRPr lang="en-US"/>
           </a:p>
@@ -5954,7 +5955,7 @@
           <a:p>
             <a:fld id="{AEACF533-26F3-064A-A93F-8F02FFC49F4C}" type="datetimeFigureOut">
               <a:rPr lang="en-US" smtClean="0"/>
-              <a:t>3/29/21</a:t>
+              <a:t>4/9/21</a:t>
             </a:fld>
             <a:endParaRPr lang="en-US"/>
           </a:p>
@@ -6307,7 +6308,7 @@
           <a:p>
             <a:fld id="{AEACF533-26F3-064A-A93F-8F02FFC49F4C}" type="datetimeFigureOut">
               <a:rPr lang="en-US" smtClean="0"/>
-              <a:t>3/29/21</a:t>
+              <a:t>4/9/21</a:t>
             </a:fld>
             <a:endParaRPr lang="en-US"/>
           </a:p>
@@ -6807,7 +6808,7 @@
           <a:p>
             <a:fld id="{AEACF533-26F3-064A-A93F-8F02FFC49F4C}" type="datetimeFigureOut">
               <a:rPr lang="en-US" smtClean="0"/>
-              <a:t>3/29/21</a:t>
+              <a:t>4/9/21</a:t>
             </a:fld>
             <a:endParaRPr lang="en-US"/>
           </a:p>
@@ -7155,7 +7156,7 @@
           <a:p>
             <a:fld id="{AEACF533-26F3-064A-A93F-8F02FFC49F4C}" type="datetimeFigureOut">
               <a:rPr lang="en-US" smtClean="0"/>
-              <a:t>3/29/21</a:t>
+              <a:t>4/9/21</a:t>
             </a:fld>
             <a:endParaRPr lang="en-US"/>
           </a:p>
@@ -10571,6 +10572,3550 @@
 </p:sld>
 </file>
 
+<file path=ppt/slides/slide13.xml><?xml version="1.0" encoding="utf-8"?>
+<p:sld xmlns:a="http://schemas.openxmlformats.org/drawingml/2006/main" xmlns:r="http://schemas.openxmlformats.org/officeDocument/2006/relationships" xmlns:p="http://schemas.openxmlformats.org/presentationml/2006/main">
+  <p:cSld>
+    <p:spTree>
+      <p:nvGrpSpPr>
+        <p:cNvPr id="1" name=""/>
+        <p:cNvGrpSpPr/>
+        <p:nvPr/>
+      </p:nvGrpSpPr>
+      <p:grpSpPr>
+        <a:xfrm>
+          <a:off x="0" y="0"/>
+          <a:ext cx="0" cy="0"/>
+          <a:chOff x="0" y="0"/>
+          <a:chExt cx="0" cy="0"/>
+        </a:xfrm>
+      </p:grpSpPr>
+      <p:grpSp>
+        <p:nvGrpSpPr>
+          <p:cNvPr id="224" name="Group 223">
+            <a:extLst>
+              <a:ext uri="{FF2B5EF4-FFF2-40B4-BE49-F238E27FC236}">
+                <a16:creationId xmlns:a16="http://schemas.microsoft.com/office/drawing/2014/main" id="{EF4FC2DF-16B7-674C-9470-E8B638217F2E}"/>
+              </a:ext>
+            </a:extLst>
+          </p:cNvPr>
+          <p:cNvGrpSpPr/>
+          <p:nvPr/>
+        </p:nvGrpSpPr>
+        <p:grpSpPr>
+          <a:xfrm>
+            <a:off x="1050166" y="979680"/>
+            <a:ext cx="10132496" cy="3922104"/>
+            <a:chOff x="1050166" y="979680"/>
+            <a:chExt cx="9301228" cy="3570440"/>
+          </a:xfrm>
+        </p:grpSpPr>
+        <p:sp>
+          <p:nvSpPr>
+            <p:cNvPr id="25" name="TextBox 24">
+              <a:extLst>
+                <a:ext uri="{FF2B5EF4-FFF2-40B4-BE49-F238E27FC236}">
+                  <a16:creationId xmlns:a16="http://schemas.microsoft.com/office/drawing/2014/main" id="{2DC82FFB-39F5-0C40-8EB3-DC3932539EED}"/>
+                </a:ext>
+              </a:extLst>
+            </p:cNvPr>
+            <p:cNvSpPr txBox="1"/>
+            <p:nvPr/>
+          </p:nvSpPr>
+          <p:spPr>
+            <a:xfrm>
+              <a:off x="3089458" y="2429204"/>
+              <a:ext cx="551136" cy="523220"/>
+            </a:xfrm>
+            <a:prstGeom prst="rect">
+              <a:avLst/>
+            </a:prstGeom>
+            <a:noFill/>
+          </p:spPr>
+          <p:txBody>
+            <a:bodyPr wrap="square" rtlCol="0">
+              <a:spAutoFit/>
+            </a:bodyPr>
+            <a:lstStyle/>
+            <a:p>
+              <a:r>
+                <a:rPr lang="en-US" altLang="zh-CN" sz="2800" dirty="0"/>
+                <a:t>…</a:t>
+              </a:r>
+              <a:endParaRPr lang="en-US" sz="2800" dirty="0"/>
+            </a:p>
+          </p:txBody>
+        </p:sp>
+        <p:sp>
+          <p:nvSpPr>
+            <p:cNvPr id="2" name="Rectangle 1">
+              <a:extLst>
+                <a:ext uri="{FF2B5EF4-FFF2-40B4-BE49-F238E27FC236}">
+                  <a16:creationId xmlns:a16="http://schemas.microsoft.com/office/drawing/2014/main" id="{A3448AC0-3A29-074F-9E2E-3AE84A826682}"/>
+                </a:ext>
+              </a:extLst>
+            </p:cNvPr>
+            <p:cNvSpPr/>
+            <p:nvPr/>
+          </p:nvSpPr>
+          <p:spPr>
+            <a:xfrm>
+              <a:off x="1204842" y="2464543"/>
+              <a:ext cx="640080" cy="640080"/>
+            </a:xfrm>
+            <a:prstGeom prst="rect">
+              <a:avLst/>
+            </a:prstGeom>
+            <a:solidFill>
+              <a:schemeClr val="accent2">
+                <a:lumMod val="60000"/>
+                <a:lumOff val="40000"/>
+              </a:schemeClr>
+            </a:solidFill>
+            <a:ln>
+              <a:solidFill>
+                <a:schemeClr val="accent2">
+                  <a:lumMod val="75000"/>
+                </a:schemeClr>
+              </a:solidFill>
+            </a:ln>
+          </p:spPr>
+          <p:style>
+            <a:lnRef idx="2">
+              <a:schemeClr val="accent1">
+                <a:shade val="50000"/>
+              </a:schemeClr>
+            </a:lnRef>
+            <a:fillRef idx="1">
+              <a:schemeClr val="accent1"/>
+            </a:fillRef>
+            <a:effectRef idx="0">
+              <a:schemeClr val="accent1"/>
+            </a:effectRef>
+            <a:fontRef idx="minor">
+              <a:schemeClr val="lt1"/>
+            </a:fontRef>
+          </p:style>
+          <p:txBody>
+            <a:bodyPr rtlCol="0" anchor="ctr"/>
+            <a:lstStyle/>
+            <a:p>
+              <a:pPr algn="ctr"/>
+              <a:r>
+                <a:rPr lang="en-US" altLang="zh-CN" dirty="0">
+                  <a:solidFill>
+                    <a:schemeClr val="tx1"/>
+                  </a:solidFill>
+                </a:rPr>
+                <a:t>GRU</a:t>
+              </a:r>
+              <a:endParaRPr lang="en-US" dirty="0">
+                <a:solidFill>
+                  <a:schemeClr val="tx1"/>
+                </a:solidFill>
+              </a:endParaRPr>
+            </a:p>
+          </p:txBody>
+        </p:sp>
+        <p:sp>
+          <p:nvSpPr>
+            <p:cNvPr id="17" name="Rectangle 16">
+              <a:extLst>
+                <a:ext uri="{FF2B5EF4-FFF2-40B4-BE49-F238E27FC236}">
+                  <a16:creationId xmlns:a16="http://schemas.microsoft.com/office/drawing/2014/main" id="{ADA85FFE-9B4A-DC4A-92F8-D22D7CC65BCF}"/>
+                </a:ext>
+              </a:extLst>
+            </p:cNvPr>
+            <p:cNvSpPr/>
+            <p:nvPr/>
+          </p:nvSpPr>
+          <p:spPr>
+            <a:xfrm>
+              <a:off x="2169294" y="2459739"/>
+              <a:ext cx="640080" cy="640080"/>
+            </a:xfrm>
+            <a:prstGeom prst="rect">
+              <a:avLst/>
+            </a:prstGeom>
+            <a:solidFill>
+              <a:schemeClr val="accent2">
+                <a:lumMod val="60000"/>
+                <a:lumOff val="40000"/>
+              </a:schemeClr>
+            </a:solidFill>
+            <a:ln>
+              <a:solidFill>
+                <a:schemeClr val="accent2">
+                  <a:lumMod val="75000"/>
+                </a:schemeClr>
+              </a:solidFill>
+            </a:ln>
+          </p:spPr>
+          <p:style>
+            <a:lnRef idx="2">
+              <a:schemeClr val="accent1">
+                <a:shade val="50000"/>
+              </a:schemeClr>
+            </a:lnRef>
+            <a:fillRef idx="1">
+              <a:schemeClr val="accent1"/>
+            </a:fillRef>
+            <a:effectRef idx="0">
+              <a:schemeClr val="accent1"/>
+            </a:effectRef>
+            <a:fontRef idx="minor">
+              <a:schemeClr val="lt1"/>
+            </a:fontRef>
+          </p:style>
+          <p:txBody>
+            <a:bodyPr rtlCol="0" anchor="ctr"/>
+            <a:lstStyle/>
+            <a:p>
+              <a:pPr algn="ctr"/>
+              <a:r>
+                <a:rPr lang="en-US" altLang="zh-CN" dirty="0">
+                  <a:solidFill>
+                    <a:schemeClr val="tx1"/>
+                  </a:solidFill>
+                </a:rPr>
+                <a:t>GRU</a:t>
+              </a:r>
+              <a:endParaRPr lang="en-US" dirty="0">
+                <a:solidFill>
+                  <a:schemeClr val="tx1"/>
+                </a:solidFill>
+              </a:endParaRPr>
+            </a:p>
+          </p:txBody>
+        </p:sp>
+        <p:sp>
+          <p:nvSpPr>
+            <p:cNvPr id="23" name="Rectangle 22">
+              <a:extLst>
+                <a:ext uri="{FF2B5EF4-FFF2-40B4-BE49-F238E27FC236}">
+                  <a16:creationId xmlns:a16="http://schemas.microsoft.com/office/drawing/2014/main" id="{FF2E35B6-B9A0-CA4F-A9F1-C86A3E39837A}"/>
+                </a:ext>
+              </a:extLst>
+            </p:cNvPr>
+            <p:cNvSpPr/>
+            <p:nvPr/>
+          </p:nvSpPr>
+          <p:spPr>
+            <a:xfrm>
+              <a:off x="3788226" y="2469775"/>
+              <a:ext cx="640080" cy="640080"/>
+            </a:xfrm>
+            <a:prstGeom prst="rect">
+              <a:avLst/>
+            </a:prstGeom>
+            <a:solidFill>
+              <a:schemeClr val="accent2">
+                <a:lumMod val="60000"/>
+                <a:lumOff val="40000"/>
+              </a:schemeClr>
+            </a:solidFill>
+            <a:ln>
+              <a:solidFill>
+                <a:schemeClr val="accent2">
+                  <a:lumMod val="75000"/>
+                </a:schemeClr>
+              </a:solidFill>
+            </a:ln>
+          </p:spPr>
+          <p:style>
+            <a:lnRef idx="2">
+              <a:schemeClr val="accent1">
+                <a:shade val="50000"/>
+              </a:schemeClr>
+            </a:lnRef>
+            <a:fillRef idx="1">
+              <a:schemeClr val="accent1"/>
+            </a:fillRef>
+            <a:effectRef idx="0">
+              <a:schemeClr val="accent1"/>
+            </a:effectRef>
+            <a:fontRef idx="minor">
+              <a:schemeClr val="lt1"/>
+            </a:fontRef>
+          </p:style>
+          <p:txBody>
+            <a:bodyPr rtlCol="0" anchor="ctr"/>
+            <a:lstStyle/>
+            <a:p>
+              <a:pPr algn="ctr"/>
+              <a:r>
+                <a:rPr lang="en-US" altLang="zh-CN" dirty="0">
+                  <a:solidFill>
+                    <a:schemeClr val="tx1"/>
+                  </a:solidFill>
+                </a:rPr>
+                <a:t>GRU</a:t>
+              </a:r>
+              <a:endParaRPr lang="en-US" dirty="0">
+                <a:solidFill>
+                  <a:schemeClr val="tx1"/>
+                </a:solidFill>
+              </a:endParaRPr>
+            </a:p>
+          </p:txBody>
+        </p:sp>
+        <p:cxnSp>
+          <p:nvCxnSpPr>
+            <p:cNvPr id="13" name="Straight Arrow Connector 12">
+              <a:extLst>
+                <a:ext uri="{FF2B5EF4-FFF2-40B4-BE49-F238E27FC236}">
+                  <a16:creationId xmlns:a16="http://schemas.microsoft.com/office/drawing/2014/main" id="{40B2F7FD-83DD-2B4F-9C43-4EF94701EA56}"/>
+                </a:ext>
+              </a:extLst>
+            </p:cNvPr>
+            <p:cNvCxnSpPr/>
+            <p:nvPr/>
+          </p:nvCxnSpPr>
+          <p:spPr>
+            <a:xfrm flipV="1">
+              <a:off x="1515425" y="3098440"/>
+              <a:ext cx="0" cy="367711"/>
+            </a:xfrm>
+            <a:prstGeom prst="straightConnector1">
+              <a:avLst/>
+            </a:prstGeom>
+            <a:ln w="25400">
+              <a:solidFill>
+                <a:schemeClr val="accent6">
+                  <a:lumMod val="75000"/>
+                </a:schemeClr>
+              </a:solidFill>
+              <a:tailEnd type="triangle"/>
+            </a:ln>
+          </p:spPr>
+          <p:style>
+            <a:lnRef idx="1">
+              <a:schemeClr val="accent1"/>
+            </a:lnRef>
+            <a:fillRef idx="0">
+              <a:schemeClr val="accent1"/>
+            </a:fillRef>
+            <a:effectRef idx="0">
+              <a:schemeClr val="accent1"/>
+            </a:effectRef>
+            <a:fontRef idx="minor">
+              <a:schemeClr val="tx1"/>
+            </a:fontRef>
+          </p:style>
+        </p:cxnSp>
+        <p:cxnSp>
+          <p:nvCxnSpPr>
+            <p:cNvPr id="18" name="Straight Arrow Connector 17">
+              <a:extLst>
+                <a:ext uri="{FF2B5EF4-FFF2-40B4-BE49-F238E27FC236}">
+                  <a16:creationId xmlns:a16="http://schemas.microsoft.com/office/drawing/2014/main" id="{A5943BC4-2247-BB42-A9B4-EA1F8685C50C}"/>
+                </a:ext>
+              </a:extLst>
+            </p:cNvPr>
+            <p:cNvCxnSpPr/>
+            <p:nvPr/>
+          </p:nvCxnSpPr>
+          <p:spPr>
+            <a:xfrm flipV="1">
+              <a:off x="2492577" y="3101115"/>
+              <a:ext cx="0" cy="367711"/>
+            </a:xfrm>
+            <a:prstGeom prst="straightConnector1">
+              <a:avLst/>
+            </a:prstGeom>
+            <a:ln w="25400">
+              <a:solidFill>
+                <a:schemeClr val="accent6">
+                  <a:lumMod val="75000"/>
+                </a:schemeClr>
+              </a:solidFill>
+              <a:tailEnd type="triangle"/>
+            </a:ln>
+          </p:spPr>
+          <p:style>
+            <a:lnRef idx="1">
+              <a:schemeClr val="accent1"/>
+            </a:lnRef>
+            <a:fillRef idx="0">
+              <a:schemeClr val="accent1"/>
+            </a:fillRef>
+            <a:effectRef idx="0">
+              <a:schemeClr val="accent1"/>
+            </a:effectRef>
+            <a:fontRef idx="minor">
+              <a:schemeClr val="tx1"/>
+            </a:fontRef>
+          </p:style>
+        </p:cxnSp>
+        <p:cxnSp>
+          <p:nvCxnSpPr>
+            <p:cNvPr id="24" name="Straight Arrow Connector 23">
+              <a:extLst>
+                <a:ext uri="{FF2B5EF4-FFF2-40B4-BE49-F238E27FC236}">
+                  <a16:creationId xmlns:a16="http://schemas.microsoft.com/office/drawing/2014/main" id="{B189D757-1C87-AD47-A2F3-0CDD27BC4213}"/>
+                </a:ext>
+              </a:extLst>
+            </p:cNvPr>
+            <p:cNvCxnSpPr/>
+            <p:nvPr/>
+          </p:nvCxnSpPr>
+          <p:spPr>
+            <a:xfrm flipV="1">
+              <a:off x="4124209" y="3103791"/>
+              <a:ext cx="0" cy="367711"/>
+            </a:xfrm>
+            <a:prstGeom prst="straightConnector1">
+              <a:avLst/>
+            </a:prstGeom>
+            <a:ln w="25400">
+              <a:solidFill>
+                <a:schemeClr val="accent6">
+                  <a:lumMod val="75000"/>
+                </a:schemeClr>
+              </a:solidFill>
+              <a:tailEnd type="triangle"/>
+            </a:ln>
+          </p:spPr>
+          <p:style>
+            <a:lnRef idx="1">
+              <a:schemeClr val="accent1"/>
+            </a:lnRef>
+            <a:fillRef idx="0">
+              <a:schemeClr val="accent1"/>
+            </a:fillRef>
+            <a:effectRef idx="0">
+              <a:schemeClr val="accent1"/>
+            </a:effectRef>
+            <a:fontRef idx="minor">
+              <a:schemeClr val="tx1"/>
+            </a:fontRef>
+          </p:style>
+        </p:cxnSp>
+        <p:sp>
+          <p:nvSpPr>
+            <p:cNvPr id="7" name="Rectangle 6">
+              <a:extLst>
+                <a:ext uri="{FF2B5EF4-FFF2-40B4-BE49-F238E27FC236}">
+                  <a16:creationId xmlns:a16="http://schemas.microsoft.com/office/drawing/2014/main" id="{EAAA6CE5-B237-9041-8827-FF6199F63D81}"/>
+                </a:ext>
+              </a:extLst>
+            </p:cNvPr>
+            <p:cNvSpPr/>
+            <p:nvPr/>
+          </p:nvSpPr>
+          <p:spPr>
+            <a:xfrm>
+              <a:off x="1179442" y="3474251"/>
+              <a:ext cx="3311150" cy="511238"/>
+            </a:xfrm>
+            <a:prstGeom prst="rect">
+              <a:avLst/>
+            </a:prstGeom>
+            <a:solidFill>
+              <a:schemeClr val="accent6">
+                <a:lumMod val="60000"/>
+                <a:lumOff val="40000"/>
+              </a:schemeClr>
+            </a:solidFill>
+            <a:ln>
+              <a:solidFill>
+                <a:schemeClr val="accent6">
+                  <a:lumMod val="75000"/>
+                </a:schemeClr>
+              </a:solidFill>
+            </a:ln>
+          </p:spPr>
+          <p:style>
+            <a:lnRef idx="2">
+              <a:schemeClr val="accent1">
+                <a:shade val="50000"/>
+              </a:schemeClr>
+            </a:lnRef>
+            <a:fillRef idx="1">
+              <a:schemeClr val="accent1"/>
+            </a:fillRef>
+            <a:effectRef idx="0">
+              <a:schemeClr val="accent1"/>
+            </a:effectRef>
+            <a:fontRef idx="minor">
+              <a:schemeClr val="lt1"/>
+            </a:fontRef>
+          </p:style>
+          <p:txBody>
+            <a:bodyPr rtlCol="0" anchor="ctr"/>
+            <a:lstStyle/>
+            <a:p>
+              <a:pPr algn="ctr"/>
+              <a:r>
+                <a:rPr lang="en-US" altLang="zh-CN" dirty="0">
+                  <a:solidFill>
+                    <a:schemeClr val="tx1"/>
+                  </a:solidFill>
+                </a:rPr>
+                <a:t>Embedding</a:t>
+              </a:r>
+              <a:r>
+                <a:rPr lang="zh-CN" altLang="en-US" dirty="0">
+                  <a:solidFill>
+                    <a:schemeClr val="tx1"/>
+                  </a:solidFill>
+                </a:rPr>
+                <a:t> </a:t>
+              </a:r>
+              <a:r>
+                <a:rPr lang="en-US" altLang="zh-CN" dirty="0">
+                  <a:solidFill>
+                    <a:schemeClr val="tx1"/>
+                  </a:solidFill>
+                </a:rPr>
+                <a:t>Layer</a:t>
+              </a:r>
+              <a:endParaRPr lang="en-US" dirty="0">
+                <a:solidFill>
+                  <a:schemeClr val="tx1"/>
+                </a:solidFill>
+              </a:endParaRPr>
+            </a:p>
+          </p:txBody>
+        </p:sp>
+        <p:cxnSp>
+          <p:nvCxnSpPr>
+            <p:cNvPr id="30" name="Straight Arrow Connector 29">
+              <a:extLst>
+                <a:ext uri="{FF2B5EF4-FFF2-40B4-BE49-F238E27FC236}">
+                  <a16:creationId xmlns:a16="http://schemas.microsoft.com/office/drawing/2014/main" id="{69504152-EFC8-4A47-932F-68B33E67DF09}"/>
+                </a:ext>
+              </a:extLst>
+            </p:cNvPr>
+            <p:cNvCxnSpPr>
+              <a:cxnSpLocks/>
+            </p:cNvCxnSpPr>
+            <p:nvPr/>
+          </p:nvCxnSpPr>
+          <p:spPr>
+            <a:xfrm flipV="1">
+              <a:off x="1515425" y="3964800"/>
+              <a:ext cx="0" cy="572458"/>
+            </a:xfrm>
+            <a:prstGeom prst="straightConnector1">
+              <a:avLst/>
+            </a:prstGeom>
+            <a:ln w="25400">
+              <a:solidFill>
+                <a:schemeClr val="tx1"/>
+              </a:solidFill>
+              <a:tailEnd type="triangle"/>
+            </a:ln>
+          </p:spPr>
+          <p:style>
+            <a:lnRef idx="1">
+              <a:schemeClr val="accent1"/>
+            </a:lnRef>
+            <a:fillRef idx="0">
+              <a:schemeClr val="accent1"/>
+            </a:fillRef>
+            <a:effectRef idx="0">
+              <a:schemeClr val="accent1"/>
+            </a:effectRef>
+            <a:fontRef idx="minor">
+              <a:schemeClr val="tx1"/>
+            </a:fontRef>
+          </p:style>
+        </p:cxnSp>
+        <p:cxnSp>
+          <p:nvCxnSpPr>
+            <p:cNvPr id="33" name="Straight Arrow Connector 32">
+              <a:extLst>
+                <a:ext uri="{FF2B5EF4-FFF2-40B4-BE49-F238E27FC236}">
+                  <a16:creationId xmlns:a16="http://schemas.microsoft.com/office/drawing/2014/main" id="{18902BD1-E134-9A45-94F3-F06AED6B83BF}"/>
+                </a:ext>
+              </a:extLst>
+            </p:cNvPr>
+            <p:cNvCxnSpPr>
+              <a:cxnSpLocks/>
+            </p:cNvCxnSpPr>
+            <p:nvPr/>
+          </p:nvCxnSpPr>
+          <p:spPr>
+            <a:xfrm flipV="1">
+              <a:off x="2492577" y="3968965"/>
+              <a:ext cx="0" cy="572458"/>
+            </a:xfrm>
+            <a:prstGeom prst="straightConnector1">
+              <a:avLst/>
+            </a:prstGeom>
+            <a:ln w="25400">
+              <a:solidFill>
+                <a:schemeClr val="tx1"/>
+              </a:solidFill>
+              <a:tailEnd type="triangle"/>
+            </a:ln>
+          </p:spPr>
+          <p:style>
+            <a:lnRef idx="1">
+              <a:schemeClr val="accent1"/>
+            </a:lnRef>
+            <a:fillRef idx="0">
+              <a:schemeClr val="accent1"/>
+            </a:fillRef>
+            <a:effectRef idx="0">
+              <a:schemeClr val="accent1"/>
+            </a:effectRef>
+            <a:fontRef idx="minor">
+              <a:schemeClr val="tx1"/>
+            </a:fontRef>
+          </p:style>
+        </p:cxnSp>
+        <p:cxnSp>
+          <p:nvCxnSpPr>
+            <p:cNvPr id="39" name="Straight Arrow Connector 38">
+              <a:extLst>
+                <a:ext uri="{FF2B5EF4-FFF2-40B4-BE49-F238E27FC236}">
+                  <a16:creationId xmlns:a16="http://schemas.microsoft.com/office/drawing/2014/main" id="{DF3BC22C-4038-6242-8F09-551FECA61594}"/>
+                </a:ext>
+              </a:extLst>
+            </p:cNvPr>
+            <p:cNvCxnSpPr>
+              <a:cxnSpLocks/>
+            </p:cNvCxnSpPr>
+            <p:nvPr/>
+          </p:nvCxnSpPr>
+          <p:spPr>
+            <a:xfrm flipV="1">
+              <a:off x="4124209" y="3973130"/>
+              <a:ext cx="0" cy="572458"/>
+            </a:xfrm>
+            <a:prstGeom prst="straightConnector1">
+              <a:avLst/>
+            </a:prstGeom>
+            <a:ln w="25400">
+              <a:solidFill>
+                <a:schemeClr val="tx1"/>
+              </a:solidFill>
+              <a:tailEnd type="triangle"/>
+            </a:ln>
+          </p:spPr>
+          <p:style>
+            <a:lnRef idx="1">
+              <a:schemeClr val="accent1"/>
+            </a:lnRef>
+            <a:fillRef idx="0">
+              <a:schemeClr val="accent1"/>
+            </a:fillRef>
+            <a:effectRef idx="0">
+              <a:schemeClr val="accent1"/>
+            </a:effectRef>
+            <a:fontRef idx="minor">
+              <a:schemeClr val="tx1"/>
+            </a:fontRef>
+          </p:style>
+        </p:cxnSp>
+        <p:cxnSp>
+          <p:nvCxnSpPr>
+            <p:cNvPr id="47" name="Straight Arrow Connector 46">
+              <a:extLst>
+                <a:ext uri="{FF2B5EF4-FFF2-40B4-BE49-F238E27FC236}">
+                  <a16:creationId xmlns:a16="http://schemas.microsoft.com/office/drawing/2014/main" id="{DBEF5FB0-F5F9-9646-8D19-EA65555DB428}"/>
+                </a:ext>
+              </a:extLst>
+            </p:cNvPr>
+            <p:cNvCxnSpPr>
+              <a:cxnSpLocks/>
+              <a:stCxn id="2" idx="3"/>
+              <a:endCxn id="17" idx="1"/>
+            </p:cNvCxnSpPr>
+            <p:nvPr/>
+          </p:nvCxnSpPr>
+          <p:spPr>
+            <a:xfrm flipV="1">
+              <a:off x="1844922" y="2779779"/>
+              <a:ext cx="324372" cy="4804"/>
+            </a:xfrm>
+            <a:prstGeom prst="straightConnector1">
+              <a:avLst/>
+            </a:prstGeom>
+            <a:ln w="25400">
+              <a:solidFill>
+                <a:schemeClr val="tx1"/>
+              </a:solidFill>
+              <a:tailEnd type="triangle"/>
+            </a:ln>
+          </p:spPr>
+          <p:style>
+            <a:lnRef idx="1">
+              <a:schemeClr val="accent1"/>
+            </a:lnRef>
+            <a:fillRef idx="0">
+              <a:schemeClr val="accent1"/>
+            </a:fillRef>
+            <a:effectRef idx="0">
+              <a:schemeClr val="accent1"/>
+            </a:effectRef>
+            <a:fontRef idx="minor">
+              <a:schemeClr val="tx1"/>
+            </a:fontRef>
+          </p:style>
+        </p:cxnSp>
+        <p:cxnSp>
+          <p:nvCxnSpPr>
+            <p:cNvPr id="50" name="Straight Arrow Connector 49">
+              <a:extLst>
+                <a:ext uri="{FF2B5EF4-FFF2-40B4-BE49-F238E27FC236}">
+                  <a16:creationId xmlns:a16="http://schemas.microsoft.com/office/drawing/2014/main" id="{DF6C63FF-745A-1E4F-A610-99F7A1A4D0AD}"/>
+                </a:ext>
+              </a:extLst>
+            </p:cNvPr>
+            <p:cNvCxnSpPr>
+              <a:cxnSpLocks/>
+            </p:cNvCxnSpPr>
+            <p:nvPr/>
+          </p:nvCxnSpPr>
+          <p:spPr>
+            <a:xfrm>
+              <a:off x="2814894" y="2784335"/>
+              <a:ext cx="274787" cy="2388"/>
+            </a:xfrm>
+            <a:prstGeom prst="straightConnector1">
+              <a:avLst/>
+            </a:prstGeom>
+            <a:ln w="25400">
+              <a:solidFill>
+                <a:schemeClr val="tx1"/>
+              </a:solidFill>
+              <a:tailEnd type="triangle"/>
+            </a:ln>
+          </p:spPr>
+          <p:style>
+            <a:lnRef idx="1">
+              <a:schemeClr val="accent1"/>
+            </a:lnRef>
+            <a:fillRef idx="0">
+              <a:schemeClr val="accent1"/>
+            </a:fillRef>
+            <a:effectRef idx="0">
+              <a:schemeClr val="accent1"/>
+            </a:effectRef>
+            <a:fontRef idx="minor">
+              <a:schemeClr val="tx1"/>
+            </a:fontRef>
+          </p:style>
+        </p:cxnSp>
+        <p:cxnSp>
+          <p:nvCxnSpPr>
+            <p:cNvPr id="55" name="Straight Arrow Connector 54">
+              <a:extLst>
+                <a:ext uri="{FF2B5EF4-FFF2-40B4-BE49-F238E27FC236}">
+                  <a16:creationId xmlns:a16="http://schemas.microsoft.com/office/drawing/2014/main" id="{87706926-AFE9-C841-9769-CC2864011089}"/>
+                </a:ext>
+              </a:extLst>
+            </p:cNvPr>
+            <p:cNvCxnSpPr>
+              <a:cxnSpLocks/>
+              <a:stCxn id="23" idx="3"/>
+              <a:endCxn id="89" idx="1"/>
+            </p:cNvCxnSpPr>
+            <p:nvPr/>
+          </p:nvCxnSpPr>
+          <p:spPr>
+            <a:xfrm>
+              <a:off x="4428306" y="2789815"/>
+              <a:ext cx="451182" cy="1995"/>
+            </a:xfrm>
+            <a:prstGeom prst="straightConnector1">
+              <a:avLst/>
+            </a:prstGeom>
+            <a:ln w="25400">
+              <a:solidFill>
+                <a:schemeClr val="tx1"/>
+              </a:solidFill>
+              <a:tailEnd type="triangle"/>
+            </a:ln>
+          </p:spPr>
+          <p:style>
+            <a:lnRef idx="1">
+              <a:schemeClr val="accent1"/>
+            </a:lnRef>
+            <a:fillRef idx="0">
+              <a:schemeClr val="accent1"/>
+            </a:fillRef>
+            <a:effectRef idx="0">
+              <a:schemeClr val="accent1"/>
+            </a:effectRef>
+            <a:fontRef idx="minor">
+              <a:schemeClr val="tx1"/>
+            </a:fontRef>
+          </p:style>
+        </p:cxnSp>
+        <p:cxnSp>
+          <p:nvCxnSpPr>
+            <p:cNvPr id="56" name="Straight Arrow Connector 55">
+              <a:extLst>
+                <a:ext uri="{FF2B5EF4-FFF2-40B4-BE49-F238E27FC236}">
+                  <a16:creationId xmlns:a16="http://schemas.microsoft.com/office/drawing/2014/main" id="{46E8B6F8-4722-0946-958F-B6A58CB84D69}"/>
+                </a:ext>
+              </a:extLst>
+            </p:cNvPr>
+            <p:cNvCxnSpPr/>
+            <p:nvPr/>
+          </p:nvCxnSpPr>
+          <p:spPr>
+            <a:xfrm>
+              <a:off x="3513439" y="2784335"/>
+              <a:ext cx="274787" cy="2388"/>
+            </a:xfrm>
+            <a:prstGeom prst="straightConnector1">
+              <a:avLst/>
+            </a:prstGeom>
+            <a:ln w="25400">
+              <a:solidFill>
+                <a:schemeClr val="tx1"/>
+              </a:solidFill>
+              <a:tailEnd type="triangle"/>
+            </a:ln>
+          </p:spPr>
+          <p:style>
+            <a:lnRef idx="1">
+              <a:schemeClr val="accent1"/>
+            </a:lnRef>
+            <a:fillRef idx="0">
+              <a:schemeClr val="accent1"/>
+            </a:fillRef>
+            <a:effectRef idx="0">
+              <a:schemeClr val="accent1"/>
+            </a:effectRef>
+            <a:fontRef idx="minor">
+              <a:schemeClr val="tx1"/>
+            </a:fontRef>
+          </p:style>
+        </p:cxnSp>
+        <p:sp>
+          <p:nvSpPr>
+            <p:cNvPr id="59" name="Rectangle 58">
+              <a:extLst>
+                <a:ext uri="{FF2B5EF4-FFF2-40B4-BE49-F238E27FC236}">
+                  <a16:creationId xmlns:a16="http://schemas.microsoft.com/office/drawing/2014/main" id="{1A9487A6-2876-0649-AA87-7784E10725D3}"/>
+                </a:ext>
+              </a:extLst>
+            </p:cNvPr>
+            <p:cNvSpPr/>
+            <p:nvPr/>
+          </p:nvSpPr>
+          <p:spPr>
+            <a:xfrm>
+              <a:off x="1050166" y="2226452"/>
+              <a:ext cx="3580148" cy="2054226"/>
+            </a:xfrm>
+            <a:prstGeom prst="rect">
+              <a:avLst/>
+            </a:prstGeom>
+            <a:noFill/>
+            <a:ln w="25400">
+              <a:solidFill>
+                <a:schemeClr val="tx1"/>
+              </a:solidFill>
+              <a:prstDash val="sysDash"/>
+            </a:ln>
+          </p:spPr>
+          <p:style>
+            <a:lnRef idx="2">
+              <a:schemeClr val="accent1">
+                <a:shade val="50000"/>
+              </a:schemeClr>
+            </a:lnRef>
+            <a:fillRef idx="1">
+              <a:schemeClr val="accent1"/>
+            </a:fillRef>
+            <a:effectRef idx="0">
+              <a:schemeClr val="accent1"/>
+            </a:effectRef>
+            <a:fontRef idx="minor">
+              <a:schemeClr val="lt1"/>
+            </a:fontRef>
+          </p:style>
+          <p:txBody>
+            <a:bodyPr rtlCol="0" anchor="ctr"/>
+            <a:lstStyle/>
+            <a:p>
+              <a:pPr algn="ctr"/>
+              <a:endParaRPr lang="en-US" dirty="0"/>
+            </a:p>
+          </p:txBody>
+        </p:sp>
+        <p:sp>
+          <p:nvSpPr>
+            <p:cNvPr id="62" name="TextBox 61">
+              <a:extLst>
+                <a:ext uri="{FF2B5EF4-FFF2-40B4-BE49-F238E27FC236}">
+                  <a16:creationId xmlns:a16="http://schemas.microsoft.com/office/drawing/2014/main" id="{A6ED769C-FCC6-0E4F-888E-3AFEF1945F76}"/>
+                </a:ext>
+              </a:extLst>
+            </p:cNvPr>
+            <p:cNvSpPr txBox="1"/>
+            <p:nvPr/>
+          </p:nvSpPr>
+          <p:spPr>
+            <a:xfrm>
+              <a:off x="2358123" y="1726325"/>
+              <a:ext cx="953787" cy="369332"/>
+            </a:xfrm>
+            <a:prstGeom prst="rect">
+              <a:avLst/>
+            </a:prstGeom>
+            <a:noFill/>
+          </p:spPr>
+          <p:txBody>
+            <a:bodyPr wrap="none" rtlCol="0">
+              <a:spAutoFit/>
+            </a:bodyPr>
+            <a:lstStyle/>
+            <a:p>
+              <a:r>
+                <a:rPr lang="en-US" altLang="zh-CN" dirty="0"/>
+                <a:t>Encoder</a:t>
+              </a:r>
+              <a:endParaRPr lang="en-US" dirty="0"/>
+            </a:p>
+          </p:txBody>
+        </p:sp>
+        <p:sp>
+          <p:nvSpPr>
+            <p:cNvPr id="84" name="TextBox 83">
+              <a:extLst>
+                <a:ext uri="{FF2B5EF4-FFF2-40B4-BE49-F238E27FC236}">
+                  <a16:creationId xmlns:a16="http://schemas.microsoft.com/office/drawing/2014/main" id="{ACADC93C-1E84-D147-A7DC-2F7892444DAC}"/>
+                </a:ext>
+              </a:extLst>
+            </p:cNvPr>
+            <p:cNvSpPr txBox="1"/>
+            <p:nvPr/>
+          </p:nvSpPr>
+          <p:spPr>
+            <a:xfrm>
+              <a:off x="9373562" y="979680"/>
+              <a:ext cx="977832" cy="369332"/>
+            </a:xfrm>
+            <a:prstGeom prst="rect">
+              <a:avLst/>
+            </a:prstGeom>
+            <a:noFill/>
+          </p:spPr>
+          <p:txBody>
+            <a:bodyPr wrap="none" rtlCol="0">
+              <a:spAutoFit/>
+            </a:bodyPr>
+            <a:lstStyle/>
+            <a:p>
+              <a:r>
+                <a:rPr lang="en-US" altLang="zh-CN" dirty="0"/>
+                <a:t>Decoder</a:t>
+              </a:r>
+              <a:endParaRPr lang="en-US" dirty="0"/>
+            </a:p>
+          </p:txBody>
+        </p:sp>
+        <p:sp>
+          <p:nvSpPr>
+            <p:cNvPr id="89" name="Rectangle 88">
+              <a:extLst>
+                <a:ext uri="{FF2B5EF4-FFF2-40B4-BE49-F238E27FC236}">
+                  <a16:creationId xmlns:a16="http://schemas.microsoft.com/office/drawing/2014/main" id="{CEF207D3-4D76-E74E-9660-B3EDD401E8A5}"/>
+                </a:ext>
+              </a:extLst>
+            </p:cNvPr>
+            <p:cNvSpPr/>
+            <p:nvPr/>
+          </p:nvSpPr>
+          <p:spPr>
+            <a:xfrm>
+              <a:off x="4879488" y="2471770"/>
+              <a:ext cx="640080" cy="640080"/>
+            </a:xfrm>
+            <a:prstGeom prst="rect">
+              <a:avLst/>
+            </a:prstGeom>
+            <a:solidFill>
+              <a:schemeClr val="accent4">
+                <a:lumMod val="60000"/>
+                <a:lumOff val="40000"/>
+              </a:schemeClr>
+            </a:solidFill>
+            <a:ln>
+              <a:solidFill>
+                <a:schemeClr val="accent4">
+                  <a:lumMod val="75000"/>
+                </a:schemeClr>
+              </a:solidFill>
+            </a:ln>
+          </p:spPr>
+          <p:style>
+            <a:lnRef idx="2">
+              <a:schemeClr val="accent1">
+                <a:shade val="50000"/>
+              </a:schemeClr>
+            </a:lnRef>
+            <a:fillRef idx="1">
+              <a:schemeClr val="accent1"/>
+            </a:fillRef>
+            <a:effectRef idx="0">
+              <a:schemeClr val="accent1"/>
+            </a:effectRef>
+            <a:fontRef idx="minor">
+              <a:schemeClr val="lt1"/>
+            </a:fontRef>
+          </p:style>
+          <p:txBody>
+            <a:bodyPr rtlCol="0" anchor="ctr"/>
+            <a:lstStyle/>
+            <a:p>
+              <a:pPr algn="ctr"/>
+              <a:r>
+                <a:rPr lang="en-US" altLang="zh-CN" dirty="0">
+                  <a:solidFill>
+                    <a:schemeClr val="tx1"/>
+                  </a:solidFill>
+                </a:rPr>
+                <a:t>C</a:t>
+              </a:r>
+              <a:endParaRPr lang="en-US" dirty="0">
+                <a:solidFill>
+                  <a:schemeClr val="tx1"/>
+                </a:solidFill>
+              </a:endParaRPr>
+            </a:p>
+          </p:txBody>
+        </p:sp>
+        <p:sp>
+          <p:nvSpPr>
+            <p:cNvPr id="92" name="TextBox 91">
+              <a:extLst>
+                <a:ext uri="{FF2B5EF4-FFF2-40B4-BE49-F238E27FC236}">
+                  <a16:creationId xmlns:a16="http://schemas.microsoft.com/office/drawing/2014/main" id="{4FA83A7F-8F1B-1A44-AC83-2971D8F58B88}"/>
+                </a:ext>
+              </a:extLst>
+            </p:cNvPr>
+            <p:cNvSpPr txBox="1"/>
+            <p:nvPr/>
+          </p:nvSpPr>
+          <p:spPr>
+            <a:xfrm>
+              <a:off x="4725553" y="2077547"/>
+              <a:ext cx="913070" cy="369332"/>
+            </a:xfrm>
+            <a:prstGeom prst="rect">
+              <a:avLst/>
+            </a:prstGeom>
+            <a:noFill/>
+          </p:spPr>
+          <p:txBody>
+            <a:bodyPr wrap="none" rtlCol="0">
+              <a:spAutoFit/>
+            </a:bodyPr>
+            <a:lstStyle/>
+            <a:p>
+              <a:r>
+                <a:rPr lang="en-US" altLang="zh-CN" dirty="0"/>
+                <a:t>Context</a:t>
+              </a:r>
+            </a:p>
+          </p:txBody>
+        </p:sp>
+        <p:sp>
+          <p:nvSpPr>
+            <p:cNvPr id="100" name="Rectangle 99">
+              <a:extLst>
+                <a:ext uri="{FF2B5EF4-FFF2-40B4-BE49-F238E27FC236}">
+                  <a16:creationId xmlns:a16="http://schemas.microsoft.com/office/drawing/2014/main" id="{E375531A-4840-5043-9A2F-F764C0F64F2D}"/>
+                </a:ext>
+              </a:extLst>
+            </p:cNvPr>
+            <p:cNvSpPr/>
+            <p:nvPr/>
+          </p:nvSpPr>
+          <p:spPr>
+            <a:xfrm>
+              <a:off x="6093552" y="3470917"/>
+              <a:ext cx="3311150" cy="519104"/>
+            </a:xfrm>
+            <a:prstGeom prst="rect">
+              <a:avLst/>
+            </a:prstGeom>
+            <a:solidFill>
+              <a:schemeClr val="accent6">
+                <a:lumMod val="60000"/>
+                <a:lumOff val="40000"/>
+              </a:schemeClr>
+            </a:solidFill>
+            <a:ln>
+              <a:solidFill>
+                <a:schemeClr val="accent6">
+                  <a:lumMod val="75000"/>
+                </a:schemeClr>
+              </a:solidFill>
+            </a:ln>
+          </p:spPr>
+          <p:style>
+            <a:lnRef idx="2">
+              <a:schemeClr val="accent1">
+                <a:shade val="50000"/>
+              </a:schemeClr>
+            </a:lnRef>
+            <a:fillRef idx="1">
+              <a:schemeClr val="accent1"/>
+            </a:fillRef>
+            <a:effectRef idx="0">
+              <a:schemeClr val="accent1"/>
+            </a:effectRef>
+            <a:fontRef idx="minor">
+              <a:schemeClr val="lt1"/>
+            </a:fontRef>
+          </p:style>
+          <p:txBody>
+            <a:bodyPr rtlCol="0" anchor="ctr"/>
+            <a:lstStyle/>
+            <a:p>
+              <a:pPr algn="ctr"/>
+              <a:r>
+                <a:rPr lang="en-US" altLang="zh-CN" dirty="0">
+                  <a:solidFill>
+                    <a:schemeClr val="tx1"/>
+                  </a:solidFill>
+                </a:rPr>
+                <a:t>Embedding</a:t>
+              </a:r>
+              <a:r>
+                <a:rPr lang="zh-CN" altLang="en-US" dirty="0">
+                  <a:solidFill>
+                    <a:schemeClr val="tx1"/>
+                  </a:solidFill>
+                </a:rPr>
+                <a:t> </a:t>
+              </a:r>
+              <a:r>
+                <a:rPr lang="en-US" altLang="zh-CN" dirty="0">
+                  <a:solidFill>
+                    <a:schemeClr val="tx1"/>
+                  </a:solidFill>
+                </a:rPr>
+                <a:t>Layer</a:t>
+              </a:r>
+              <a:endParaRPr lang="en-US" dirty="0">
+                <a:solidFill>
+                  <a:schemeClr val="tx1"/>
+                </a:solidFill>
+              </a:endParaRPr>
+            </a:p>
+          </p:txBody>
+        </p:sp>
+        <p:cxnSp>
+          <p:nvCxnSpPr>
+            <p:cNvPr id="101" name="Straight Arrow Connector 100">
+              <a:extLst>
+                <a:ext uri="{FF2B5EF4-FFF2-40B4-BE49-F238E27FC236}">
+                  <a16:creationId xmlns:a16="http://schemas.microsoft.com/office/drawing/2014/main" id="{FD2A836C-6916-134A-B66F-0AAC61C94A55}"/>
+                </a:ext>
+              </a:extLst>
+            </p:cNvPr>
+            <p:cNvCxnSpPr>
+              <a:cxnSpLocks/>
+            </p:cNvCxnSpPr>
+            <p:nvPr/>
+          </p:nvCxnSpPr>
+          <p:spPr>
+            <a:xfrm flipV="1">
+              <a:off x="6429535" y="3969332"/>
+              <a:ext cx="0" cy="572458"/>
+            </a:xfrm>
+            <a:prstGeom prst="straightConnector1">
+              <a:avLst/>
+            </a:prstGeom>
+            <a:ln w="25400">
+              <a:solidFill>
+                <a:schemeClr val="tx1"/>
+              </a:solidFill>
+              <a:tailEnd type="triangle"/>
+            </a:ln>
+          </p:spPr>
+          <p:style>
+            <a:lnRef idx="1">
+              <a:schemeClr val="accent1"/>
+            </a:lnRef>
+            <a:fillRef idx="0">
+              <a:schemeClr val="accent1"/>
+            </a:fillRef>
+            <a:effectRef idx="0">
+              <a:schemeClr val="accent1"/>
+            </a:effectRef>
+            <a:fontRef idx="minor">
+              <a:schemeClr val="tx1"/>
+            </a:fontRef>
+          </p:style>
+        </p:cxnSp>
+        <p:cxnSp>
+          <p:nvCxnSpPr>
+            <p:cNvPr id="102" name="Straight Arrow Connector 101">
+              <a:extLst>
+                <a:ext uri="{FF2B5EF4-FFF2-40B4-BE49-F238E27FC236}">
+                  <a16:creationId xmlns:a16="http://schemas.microsoft.com/office/drawing/2014/main" id="{2D379783-B640-7F4E-B188-2AF091F8258C}"/>
+                </a:ext>
+              </a:extLst>
+            </p:cNvPr>
+            <p:cNvCxnSpPr>
+              <a:cxnSpLocks/>
+            </p:cNvCxnSpPr>
+            <p:nvPr/>
+          </p:nvCxnSpPr>
+          <p:spPr>
+            <a:xfrm flipV="1">
+              <a:off x="7406687" y="3973497"/>
+              <a:ext cx="0" cy="572458"/>
+            </a:xfrm>
+            <a:prstGeom prst="straightConnector1">
+              <a:avLst/>
+            </a:prstGeom>
+            <a:ln w="25400">
+              <a:solidFill>
+                <a:schemeClr val="tx1"/>
+              </a:solidFill>
+              <a:tailEnd type="triangle"/>
+            </a:ln>
+          </p:spPr>
+          <p:style>
+            <a:lnRef idx="1">
+              <a:schemeClr val="accent1"/>
+            </a:lnRef>
+            <a:fillRef idx="0">
+              <a:schemeClr val="accent1"/>
+            </a:fillRef>
+            <a:effectRef idx="0">
+              <a:schemeClr val="accent1"/>
+            </a:effectRef>
+            <a:fontRef idx="minor">
+              <a:schemeClr val="tx1"/>
+            </a:fontRef>
+          </p:style>
+        </p:cxnSp>
+        <p:cxnSp>
+          <p:nvCxnSpPr>
+            <p:cNvPr id="103" name="Straight Arrow Connector 102">
+              <a:extLst>
+                <a:ext uri="{FF2B5EF4-FFF2-40B4-BE49-F238E27FC236}">
+                  <a16:creationId xmlns:a16="http://schemas.microsoft.com/office/drawing/2014/main" id="{872AB7B5-FC21-304F-942D-165C7EE1278D}"/>
+                </a:ext>
+              </a:extLst>
+            </p:cNvPr>
+            <p:cNvCxnSpPr>
+              <a:cxnSpLocks/>
+            </p:cNvCxnSpPr>
+            <p:nvPr/>
+          </p:nvCxnSpPr>
+          <p:spPr>
+            <a:xfrm flipV="1">
+              <a:off x="9038319" y="3977662"/>
+              <a:ext cx="0" cy="572458"/>
+            </a:xfrm>
+            <a:prstGeom prst="straightConnector1">
+              <a:avLst/>
+            </a:prstGeom>
+            <a:ln w="25400">
+              <a:solidFill>
+                <a:schemeClr val="tx1"/>
+              </a:solidFill>
+              <a:tailEnd type="triangle"/>
+            </a:ln>
+          </p:spPr>
+          <p:style>
+            <a:lnRef idx="1">
+              <a:schemeClr val="accent1"/>
+            </a:lnRef>
+            <a:fillRef idx="0">
+              <a:schemeClr val="accent1"/>
+            </a:fillRef>
+            <a:effectRef idx="0">
+              <a:schemeClr val="accent1"/>
+            </a:effectRef>
+            <a:fontRef idx="minor">
+              <a:schemeClr val="tx1"/>
+            </a:fontRef>
+          </p:style>
+        </p:cxnSp>
+        <p:sp>
+          <p:nvSpPr>
+            <p:cNvPr id="107" name="Rectangle 106">
+              <a:extLst>
+                <a:ext uri="{FF2B5EF4-FFF2-40B4-BE49-F238E27FC236}">
+                  <a16:creationId xmlns:a16="http://schemas.microsoft.com/office/drawing/2014/main" id="{57E1C2C8-1BB8-4F46-BBE3-57CC9D9C7EBC}"/>
+                </a:ext>
+              </a:extLst>
+            </p:cNvPr>
+            <p:cNvSpPr/>
+            <p:nvPr/>
+          </p:nvSpPr>
+          <p:spPr>
+            <a:xfrm>
+              <a:off x="5964276" y="1297056"/>
+              <a:ext cx="3580148" cy="2988155"/>
+            </a:xfrm>
+            <a:prstGeom prst="rect">
+              <a:avLst/>
+            </a:prstGeom>
+            <a:noFill/>
+            <a:ln w="25400">
+              <a:solidFill>
+                <a:schemeClr val="tx1"/>
+              </a:solidFill>
+              <a:prstDash val="sysDash"/>
+            </a:ln>
+          </p:spPr>
+          <p:style>
+            <a:lnRef idx="2">
+              <a:schemeClr val="accent1">
+                <a:shade val="50000"/>
+              </a:schemeClr>
+            </a:lnRef>
+            <a:fillRef idx="1">
+              <a:schemeClr val="accent1"/>
+            </a:fillRef>
+            <a:effectRef idx="0">
+              <a:schemeClr val="accent1"/>
+            </a:effectRef>
+            <a:fontRef idx="minor">
+              <a:schemeClr val="lt1"/>
+            </a:fontRef>
+          </p:style>
+          <p:txBody>
+            <a:bodyPr rtlCol="0" anchor="ctr"/>
+            <a:lstStyle/>
+            <a:p>
+              <a:pPr algn="ctr"/>
+              <a:endParaRPr lang="en-US" dirty="0"/>
+            </a:p>
+          </p:txBody>
+        </p:sp>
+        <p:grpSp>
+          <p:nvGrpSpPr>
+            <p:cNvPr id="127" name="Group 126">
+              <a:extLst>
+                <a:ext uri="{FF2B5EF4-FFF2-40B4-BE49-F238E27FC236}">
+                  <a16:creationId xmlns:a16="http://schemas.microsoft.com/office/drawing/2014/main" id="{B491CF26-F041-5F42-B70E-7FCD5376FE18}"/>
+                </a:ext>
+              </a:extLst>
+            </p:cNvPr>
+            <p:cNvGrpSpPr/>
+            <p:nvPr/>
+          </p:nvGrpSpPr>
+          <p:grpSpPr>
+            <a:xfrm>
+              <a:off x="6289376" y="3103218"/>
+              <a:ext cx="2560804" cy="265952"/>
+              <a:chOff x="6442788" y="2618719"/>
+              <a:chExt cx="2560804" cy="372902"/>
+            </a:xfrm>
+          </p:grpSpPr>
+          <p:cxnSp>
+            <p:nvCxnSpPr>
+              <p:cNvPr id="124" name="Straight Arrow Connector 123">
+                <a:extLst>
+                  <a:ext uri="{FF2B5EF4-FFF2-40B4-BE49-F238E27FC236}">
+                    <a16:creationId xmlns:a16="http://schemas.microsoft.com/office/drawing/2014/main" id="{75141D1C-A5C0-9A44-9121-9EDBFFE3177D}"/>
+                  </a:ext>
+                </a:extLst>
+              </p:cNvPr>
+              <p:cNvCxnSpPr/>
+              <p:nvPr/>
+            </p:nvCxnSpPr>
+            <p:spPr>
+              <a:xfrm flipV="1">
+                <a:off x="6442788" y="2618719"/>
+                <a:ext cx="0" cy="367711"/>
+              </a:xfrm>
+              <a:prstGeom prst="straightConnector1">
+                <a:avLst/>
+              </a:prstGeom>
+              <a:ln w="25400">
+                <a:solidFill>
+                  <a:schemeClr val="accent4">
+                    <a:lumMod val="75000"/>
+                  </a:schemeClr>
+                </a:solidFill>
+                <a:tailEnd type="triangle"/>
+              </a:ln>
+            </p:spPr>
+            <p:style>
+              <a:lnRef idx="1">
+                <a:schemeClr val="accent1"/>
+              </a:lnRef>
+              <a:fillRef idx="0">
+                <a:schemeClr val="accent1"/>
+              </a:fillRef>
+              <a:effectRef idx="0">
+                <a:schemeClr val="accent1"/>
+              </a:effectRef>
+              <a:fontRef idx="minor">
+                <a:schemeClr val="tx1"/>
+              </a:fontRef>
+            </p:style>
+          </p:cxnSp>
+          <p:cxnSp>
+            <p:nvCxnSpPr>
+              <p:cNvPr id="125" name="Straight Arrow Connector 124">
+                <a:extLst>
+                  <a:ext uri="{FF2B5EF4-FFF2-40B4-BE49-F238E27FC236}">
+                    <a16:creationId xmlns:a16="http://schemas.microsoft.com/office/drawing/2014/main" id="{84E8D8CA-9E6F-C140-9795-C7212A03061B}"/>
+                  </a:ext>
+                </a:extLst>
+              </p:cNvPr>
+              <p:cNvCxnSpPr/>
+              <p:nvPr/>
+            </p:nvCxnSpPr>
+            <p:spPr>
+              <a:xfrm flipV="1">
+                <a:off x="7419940" y="2621394"/>
+                <a:ext cx="0" cy="367711"/>
+              </a:xfrm>
+              <a:prstGeom prst="straightConnector1">
+                <a:avLst/>
+              </a:prstGeom>
+              <a:ln w="25400">
+                <a:solidFill>
+                  <a:schemeClr val="accent4">
+                    <a:lumMod val="75000"/>
+                  </a:schemeClr>
+                </a:solidFill>
+                <a:tailEnd type="triangle"/>
+              </a:ln>
+            </p:spPr>
+            <p:style>
+              <a:lnRef idx="1">
+                <a:schemeClr val="accent1"/>
+              </a:lnRef>
+              <a:fillRef idx="0">
+                <a:schemeClr val="accent1"/>
+              </a:fillRef>
+              <a:effectRef idx="0">
+                <a:schemeClr val="accent1"/>
+              </a:effectRef>
+              <a:fontRef idx="minor">
+                <a:schemeClr val="tx1"/>
+              </a:fontRef>
+            </p:style>
+          </p:cxnSp>
+          <p:cxnSp>
+            <p:nvCxnSpPr>
+              <p:cNvPr id="126" name="Straight Arrow Connector 125">
+                <a:extLst>
+                  <a:ext uri="{FF2B5EF4-FFF2-40B4-BE49-F238E27FC236}">
+                    <a16:creationId xmlns:a16="http://schemas.microsoft.com/office/drawing/2014/main" id="{7C987A4B-88FC-604A-9295-9ADE18C385BD}"/>
+                  </a:ext>
+                </a:extLst>
+              </p:cNvPr>
+              <p:cNvCxnSpPr/>
+              <p:nvPr/>
+            </p:nvCxnSpPr>
+            <p:spPr>
+              <a:xfrm flipV="1">
+                <a:off x="9003592" y="2623910"/>
+                <a:ext cx="0" cy="367711"/>
+              </a:xfrm>
+              <a:prstGeom prst="straightConnector1">
+                <a:avLst/>
+              </a:prstGeom>
+              <a:ln w="25400">
+                <a:solidFill>
+                  <a:schemeClr val="accent4">
+                    <a:lumMod val="75000"/>
+                  </a:schemeClr>
+                </a:solidFill>
+                <a:tailEnd type="triangle"/>
+              </a:ln>
+            </p:spPr>
+            <p:style>
+              <a:lnRef idx="1">
+                <a:schemeClr val="accent1"/>
+              </a:lnRef>
+              <a:fillRef idx="0">
+                <a:schemeClr val="accent1"/>
+              </a:fillRef>
+              <a:effectRef idx="0">
+                <a:schemeClr val="accent1"/>
+              </a:effectRef>
+              <a:fontRef idx="minor">
+                <a:schemeClr val="tx1"/>
+              </a:fontRef>
+            </p:style>
+          </p:cxnSp>
+        </p:grpSp>
+        <p:cxnSp>
+          <p:nvCxnSpPr>
+            <p:cNvPr id="110" name="Straight Arrow Connector 109">
+              <a:extLst>
+                <a:ext uri="{FF2B5EF4-FFF2-40B4-BE49-F238E27FC236}">
+                  <a16:creationId xmlns:a16="http://schemas.microsoft.com/office/drawing/2014/main" id="{A4AD33D2-072D-7847-852D-CDF14C48C848}"/>
+                </a:ext>
+              </a:extLst>
+            </p:cNvPr>
+            <p:cNvCxnSpPr>
+              <a:cxnSpLocks/>
+              <a:stCxn id="89" idx="3"/>
+              <a:endCxn id="151" idx="1"/>
+            </p:cNvCxnSpPr>
+            <p:nvPr/>
+          </p:nvCxnSpPr>
+          <p:spPr>
+            <a:xfrm flipV="1">
+              <a:off x="5519568" y="2788540"/>
+              <a:ext cx="596380" cy="3270"/>
+            </a:xfrm>
+            <a:prstGeom prst="straightConnector1">
+              <a:avLst/>
+            </a:prstGeom>
+            <a:ln w="25400">
+              <a:solidFill>
+                <a:schemeClr val="accent4">
+                  <a:lumMod val="75000"/>
+                </a:schemeClr>
+              </a:solidFill>
+              <a:tailEnd type="triangle"/>
+            </a:ln>
+          </p:spPr>
+          <p:style>
+            <a:lnRef idx="1">
+              <a:schemeClr val="accent1"/>
+            </a:lnRef>
+            <a:fillRef idx="0">
+              <a:schemeClr val="accent1"/>
+            </a:fillRef>
+            <a:effectRef idx="0">
+              <a:schemeClr val="accent1"/>
+            </a:effectRef>
+            <a:fontRef idx="minor">
+              <a:schemeClr val="tx1"/>
+            </a:fontRef>
+          </p:style>
+        </p:cxnSp>
+        <p:grpSp>
+          <p:nvGrpSpPr>
+            <p:cNvPr id="181" name="Group 180">
+              <a:extLst>
+                <a:ext uri="{FF2B5EF4-FFF2-40B4-BE49-F238E27FC236}">
+                  <a16:creationId xmlns:a16="http://schemas.microsoft.com/office/drawing/2014/main" id="{00235051-F0A7-CC4D-9513-9FF9DE8AEFAE}"/>
+                </a:ext>
+              </a:extLst>
+            </p:cNvPr>
+            <p:cNvGrpSpPr/>
+            <p:nvPr/>
+          </p:nvGrpSpPr>
+          <p:grpSpPr>
+            <a:xfrm>
+              <a:off x="5705796" y="2803283"/>
+              <a:ext cx="3151418" cy="558860"/>
+              <a:chOff x="5566649" y="2306330"/>
+              <a:chExt cx="3151418" cy="558860"/>
+            </a:xfrm>
+          </p:grpSpPr>
+          <p:cxnSp>
+            <p:nvCxnSpPr>
+              <p:cNvPr id="114" name="Straight Connector 113">
+                <a:extLst>
+                  <a:ext uri="{FF2B5EF4-FFF2-40B4-BE49-F238E27FC236}">
+                    <a16:creationId xmlns:a16="http://schemas.microsoft.com/office/drawing/2014/main" id="{049D2FAD-86E3-514C-B2DE-B6C1C0E99C9B}"/>
+                  </a:ext>
+                </a:extLst>
+              </p:cNvPr>
+              <p:cNvCxnSpPr>
+                <a:cxnSpLocks/>
+              </p:cNvCxnSpPr>
+              <p:nvPr/>
+            </p:nvCxnSpPr>
+            <p:spPr>
+              <a:xfrm>
+                <a:off x="5575453" y="2306330"/>
+                <a:ext cx="0" cy="558860"/>
+              </a:xfrm>
+              <a:prstGeom prst="line">
+                <a:avLst/>
+              </a:prstGeom>
+              <a:ln w="25400">
+                <a:solidFill>
+                  <a:schemeClr val="accent4">
+                    <a:lumMod val="75000"/>
+                  </a:schemeClr>
+                </a:solidFill>
+              </a:ln>
+            </p:spPr>
+            <p:style>
+              <a:lnRef idx="1">
+                <a:schemeClr val="accent1"/>
+              </a:lnRef>
+              <a:fillRef idx="0">
+                <a:schemeClr val="accent1"/>
+              </a:fillRef>
+              <a:effectRef idx="0">
+                <a:schemeClr val="accent1"/>
+              </a:effectRef>
+              <a:fontRef idx="minor">
+                <a:schemeClr val="tx1"/>
+              </a:fontRef>
+            </p:style>
+          </p:cxnSp>
+          <p:cxnSp>
+            <p:nvCxnSpPr>
+              <p:cNvPr id="119" name="Straight Connector 118">
+                <a:extLst>
+                  <a:ext uri="{FF2B5EF4-FFF2-40B4-BE49-F238E27FC236}">
+                    <a16:creationId xmlns:a16="http://schemas.microsoft.com/office/drawing/2014/main" id="{F3D3E2AA-D5A3-954A-84D0-2D332B009E44}"/>
+                  </a:ext>
+                </a:extLst>
+              </p:cNvPr>
+              <p:cNvCxnSpPr>
+                <a:cxnSpLocks/>
+              </p:cNvCxnSpPr>
+              <p:nvPr/>
+            </p:nvCxnSpPr>
+            <p:spPr>
+              <a:xfrm>
+                <a:off x="5566649" y="2863492"/>
+                <a:ext cx="3151418" cy="0"/>
+              </a:xfrm>
+              <a:prstGeom prst="line">
+                <a:avLst/>
+              </a:prstGeom>
+              <a:ln w="25400">
+                <a:solidFill>
+                  <a:schemeClr val="accent4">
+                    <a:lumMod val="75000"/>
+                  </a:schemeClr>
+                </a:solidFill>
+              </a:ln>
+            </p:spPr>
+            <p:style>
+              <a:lnRef idx="1">
+                <a:schemeClr val="accent1"/>
+              </a:lnRef>
+              <a:fillRef idx="0">
+                <a:schemeClr val="accent1"/>
+              </a:fillRef>
+              <a:effectRef idx="0">
+                <a:schemeClr val="accent1"/>
+              </a:effectRef>
+              <a:fontRef idx="minor">
+                <a:schemeClr val="tx1"/>
+              </a:fontRef>
+            </p:style>
+          </p:cxnSp>
+        </p:grpSp>
+        <p:grpSp>
+          <p:nvGrpSpPr>
+            <p:cNvPr id="128" name="Group 127">
+              <a:extLst>
+                <a:ext uri="{FF2B5EF4-FFF2-40B4-BE49-F238E27FC236}">
+                  <a16:creationId xmlns:a16="http://schemas.microsoft.com/office/drawing/2014/main" id="{6D47F321-9DF4-F94F-A433-15347F1B594B}"/>
+                </a:ext>
+              </a:extLst>
+            </p:cNvPr>
+            <p:cNvGrpSpPr/>
+            <p:nvPr/>
+          </p:nvGrpSpPr>
+          <p:grpSpPr>
+            <a:xfrm>
+              <a:off x="5705796" y="2363620"/>
+              <a:ext cx="3151418" cy="441312"/>
+              <a:chOff x="5684969" y="2302658"/>
+              <a:chExt cx="3151418" cy="441312"/>
+            </a:xfrm>
+          </p:grpSpPr>
+          <p:cxnSp>
+            <p:nvCxnSpPr>
+              <p:cNvPr id="129" name="Straight Connector 128">
+                <a:extLst>
+                  <a:ext uri="{FF2B5EF4-FFF2-40B4-BE49-F238E27FC236}">
+                    <a16:creationId xmlns:a16="http://schemas.microsoft.com/office/drawing/2014/main" id="{4ED08A38-E49D-3146-B89A-769D57DAB191}"/>
+                  </a:ext>
+                </a:extLst>
+              </p:cNvPr>
+              <p:cNvCxnSpPr>
+                <a:cxnSpLocks/>
+              </p:cNvCxnSpPr>
+              <p:nvPr/>
+            </p:nvCxnSpPr>
+            <p:spPr>
+              <a:xfrm>
+                <a:off x="5693773" y="2302658"/>
+                <a:ext cx="0" cy="441312"/>
+              </a:xfrm>
+              <a:prstGeom prst="line">
+                <a:avLst/>
+              </a:prstGeom>
+              <a:ln w="25400">
+                <a:solidFill>
+                  <a:schemeClr val="accent4">
+                    <a:lumMod val="75000"/>
+                  </a:schemeClr>
+                </a:solidFill>
+              </a:ln>
+            </p:spPr>
+            <p:style>
+              <a:lnRef idx="1">
+                <a:schemeClr val="accent1"/>
+              </a:lnRef>
+              <a:fillRef idx="0">
+                <a:schemeClr val="accent1"/>
+              </a:fillRef>
+              <a:effectRef idx="0">
+                <a:schemeClr val="accent1"/>
+              </a:effectRef>
+              <a:fontRef idx="minor">
+                <a:schemeClr val="tx1"/>
+              </a:fontRef>
+            </p:style>
+          </p:cxnSp>
+          <p:cxnSp>
+            <p:nvCxnSpPr>
+              <p:cNvPr id="130" name="Straight Connector 129">
+                <a:extLst>
+                  <a:ext uri="{FF2B5EF4-FFF2-40B4-BE49-F238E27FC236}">
+                    <a16:creationId xmlns:a16="http://schemas.microsoft.com/office/drawing/2014/main" id="{44D987E5-74DD-1F46-A983-31FA5377EBC4}"/>
+                  </a:ext>
+                </a:extLst>
+              </p:cNvPr>
+              <p:cNvCxnSpPr>
+                <a:cxnSpLocks/>
+              </p:cNvCxnSpPr>
+              <p:nvPr/>
+            </p:nvCxnSpPr>
+            <p:spPr>
+              <a:xfrm flipV="1">
+                <a:off x="5684969" y="2309009"/>
+                <a:ext cx="3151418" cy="2388"/>
+              </a:xfrm>
+              <a:prstGeom prst="line">
+                <a:avLst/>
+              </a:prstGeom>
+              <a:ln w="25400">
+                <a:solidFill>
+                  <a:schemeClr val="accent4">
+                    <a:lumMod val="75000"/>
+                  </a:schemeClr>
+                </a:solidFill>
+              </a:ln>
+            </p:spPr>
+            <p:style>
+              <a:lnRef idx="1">
+                <a:schemeClr val="accent1"/>
+              </a:lnRef>
+              <a:fillRef idx="0">
+                <a:schemeClr val="accent1"/>
+              </a:fillRef>
+              <a:effectRef idx="0">
+                <a:schemeClr val="accent1"/>
+              </a:effectRef>
+              <a:fontRef idx="minor">
+                <a:schemeClr val="tx1"/>
+              </a:fontRef>
+            </p:style>
+          </p:cxnSp>
+        </p:grpSp>
+        <p:sp>
+          <p:nvSpPr>
+            <p:cNvPr id="150" name="TextBox 149">
+              <a:extLst>
+                <a:ext uri="{FF2B5EF4-FFF2-40B4-BE49-F238E27FC236}">
+                  <a16:creationId xmlns:a16="http://schemas.microsoft.com/office/drawing/2014/main" id="{204545E8-D1EF-C64A-A8B1-22629DFEC98D}"/>
+                </a:ext>
+              </a:extLst>
+            </p:cNvPr>
+            <p:cNvSpPr txBox="1"/>
+            <p:nvPr/>
+          </p:nvSpPr>
+          <p:spPr>
+            <a:xfrm>
+              <a:off x="8000564" y="2433161"/>
+              <a:ext cx="551136" cy="523220"/>
+            </a:xfrm>
+            <a:prstGeom prst="rect">
+              <a:avLst/>
+            </a:prstGeom>
+            <a:noFill/>
+          </p:spPr>
+          <p:txBody>
+            <a:bodyPr wrap="square" rtlCol="0">
+              <a:spAutoFit/>
+            </a:bodyPr>
+            <a:lstStyle/>
+            <a:p>
+              <a:r>
+                <a:rPr lang="en-US" altLang="zh-CN" sz="2800" dirty="0"/>
+                <a:t>…</a:t>
+              </a:r>
+              <a:endParaRPr lang="en-US" sz="2800" dirty="0"/>
+            </a:p>
+          </p:txBody>
+        </p:sp>
+        <p:sp>
+          <p:nvSpPr>
+            <p:cNvPr id="151" name="Rectangle 150">
+              <a:extLst>
+                <a:ext uri="{FF2B5EF4-FFF2-40B4-BE49-F238E27FC236}">
+                  <a16:creationId xmlns:a16="http://schemas.microsoft.com/office/drawing/2014/main" id="{6CC09E43-DDFA-144F-97BC-61E61F0E12FC}"/>
+                </a:ext>
+              </a:extLst>
+            </p:cNvPr>
+            <p:cNvSpPr/>
+            <p:nvPr/>
+          </p:nvSpPr>
+          <p:spPr>
+            <a:xfrm>
+              <a:off x="6115948" y="2468500"/>
+              <a:ext cx="640080" cy="640080"/>
+            </a:xfrm>
+            <a:prstGeom prst="rect">
+              <a:avLst/>
+            </a:prstGeom>
+            <a:solidFill>
+              <a:schemeClr val="accent2">
+                <a:lumMod val="60000"/>
+                <a:lumOff val="40000"/>
+              </a:schemeClr>
+            </a:solidFill>
+            <a:ln>
+              <a:solidFill>
+                <a:schemeClr val="accent2">
+                  <a:lumMod val="75000"/>
+                </a:schemeClr>
+              </a:solidFill>
+            </a:ln>
+          </p:spPr>
+          <p:style>
+            <a:lnRef idx="2">
+              <a:schemeClr val="accent1">
+                <a:shade val="50000"/>
+              </a:schemeClr>
+            </a:lnRef>
+            <a:fillRef idx="1">
+              <a:schemeClr val="accent1"/>
+            </a:fillRef>
+            <a:effectRef idx="0">
+              <a:schemeClr val="accent1"/>
+            </a:effectRef>
+            <a:fontRef idx="minor">
+              <a:schemeClr val="lt1"/>
+            </a:fontRef>
+          </p:style>
+          <p:txBody>
+            <a:bodyPr rtlCol="0" anchor="ctr"/>
+            <a:lstStyle/>
+            <a:p>
+              <a:pPr algn="ctr"/>
+              <a:r>
+                <a:rPr lang="en-US" altLang="zh-CN" dirty="0">
+                  <a:solidFill>
+                    <a:schemeClr val="tx1"/>
+                  </a:solidFill>
+                </a:rPr>
+                <a:t>GRU</a:t>
+              </a:r>
+              <a:endParaRPr lang="en-US" dirty="0">
+                <a:solidFill>
+                  <a:schemeClr val="tx1"/>
+                </a:solidFill>
+              </a:endParaRPr>
+            </a:p>
+          </p:txBody>
+        </p:sp>
+        <p:sp>
+          <p:nvSpPr>
+            <p:cNvPr id="152" name="Rectangle 151">
+              <a:extLst>
+                <a:ext uri="{FF2B5EF4-FFF2-40B4-BE49-F238E27FC236}">
+                  <a16:creationId xmlns:a16="http://schemas.microsoft.com/office/drawing/2014/main" id="{D7037B63-A1E7-694B-BFB0-C43BBA446666}"/>
+                </a:ext>
+              </a:extLst>
+            </p:cNvPr>
+            <p:cNvSpPr/>
+            <p:nvPr/>
+          </p:nvSpPr>
+          <p:spPr>
+            <a:xfrm>
+              <a:off x="7080400" y="2463696"/>
+              <a:ext cx="640080" cy="640080"/>
+            </a:xfrm>
+            <a:prstGeom prst="rect">
+              <a:avLst/>
+            </a:prstGeom>
+            <a:solidFill>
+              <a:schemeClr val="accent2">
+                <a:lumMod val="60000"/>
+                <a:lumOff val="40000"/>
+              </a:schemeClr>
+            </a:solidFill>
+            <a:ln>
+              <a:solidFill>
+                <a:schemeClr val="accent2">
+                  <a:lumMod val="75000"/>
+                </a:schemeClr>
+              </a:solidFill>
+            </a:ln>
+          </p:spPr>
+          <p:style>
+            <a:lnRef idx="2">
+              <a:schemeClr val="accent1">
+                <a:shade val="50000"/>
+              </a:schemeClr>
+            </a:lnRef>
+            <a:fillRef idx="1">
+              <a:schemeClr val="accent1"/>
+            </a:fillRef>
+            <a:effectRef idx="0">
+              <a:schemeClr val="accent1"/>
+            </a:effectRef>
+            <a:fontRef idx="minor">
+              <a:schemeClr val="lt1"/>
+            </a:fontRef>
+          </p:style>
+          <p:txBody>
+            <a:bodyPr rtlCol="0" anchor="ctr"/>
+            <a:lstStyle/>
+            <a:p>
+              <a:pPr algn="ctr"/>
+              <a:r>
+                <a:rPr lang="en-US" altLang="zh-CN" dirty="0">
+                  <a:solidFill>
+                    <a:schemeClr val="tx1"/>
+                  </a:solidFill>
+                </a:rPr>
+                <a:t>GRU</a:t>
+              </a:r>
+              <a:endParaRPr lang="en-US" dirty="0">
+                <a:solidFill>
+                  <a:schemeClr val="tx1"/>
+                </a:solidFill>
+              </a:endParaRPr>
+            </a:p>
+          </p:txBody>
+        </p:sp>
+        <p:sp>
+          <p:nvSpPr>
+            <p:cNvPr id="153" name="Rectangle 152">
+              <a:extLst>
+                <a:ext uri="{FF2B5EF4-FFF2-40B4-BE49-F238E27FC236}">
+                  <a16:creationId xmlns:a16="http://schemas.microsoft.com/office/drawing/2014/main" id="{D47ADD8F-0982-FB4A-93C4-1EA2B9C76F93}"/>
+                </a:ext>
+              </a:extLst>
+            </p:cNvPr>
+            <p:cNvSpPr/>
+            <p:nvPr/>
+          </p:nvSpPr>
+          <p:spPr>
+            <a:xfrm>
+              <a:off x="8699332" y="2473732"/>
+              <a:ext cx="640080" cy="640080"/>
+            </a:xfrm>
+            <a:prstGeom prst="rect">
+              <a:avLst/>
+            </a:prstGeom>
+            <a:solidFill>
+              <a:schemeClr val="accent2">
+                <a:lumMod val="60000"/>
+                <a:lumOff val="40000"/>
+              </a:schemeClr>
+            </a:solidFill>
+            <a:ln>
+              <a:solidFill>
+                <a:schemeClr val="accent2">
+                  <a:lumMod val="75000"/>
+                </a:schemeClr>
+              </a:solidFill>
+            </a:ln>
+          </p:spPr>
+          <p:style>
+            <a:lnRef idx="2">
+              <a:schemeClr val="accent1">
+                <a:shade val="50000"/>
+              </a:schemeClr>
+            </a:lnRef>
+            <a:fillRef idx="1">
+              <a:schemeClr val="accent1"/>
+            </a:fillRef>
+            <a:effectRef idx="0">
+              <a:schemeClr val="accent1"/>
+            </a:effectRef>
+            <a:fontRef idx="minor">
+              <a:schemeClr val="lt1"/>
+            </a:fontRef>
+          </p:style>
+          <p:txBody>
+            <a:bodyPr rtlCol="0" anchor="ctr"/>
+            <a:lstStyle/>
+            <a:p>
+              <a:pPr algn="ctr"/>
+              <a:r>
+                <a:rPr lang="en-US" altLang="zh-CN" dirty="0">
+                  <a:solidFill>
+                    <a:schemeClr val="tx1"/>
+                  </a:solidFill>
+                </a:rPr>
+                <a:t>GRU</a:t>
+              </a:r>
+              <a:endParaRPr lang="en-US" dirty="0">
+                <a:solidFill>
+                  <a:schemeClr val="tx1"/>
+                </a:solidFill>
+              </a:endParaRPr>
+            </a:p>
+          </p:txBody>
+        </p:sp>
+        <p:cxnSp>
+          <p:nvCxnSpPr>
+            <p:cNvPr id="154" name="Straight Arrow Connector 153">
+              <a:extLst>
+                <a:ext uri="{FF2B5EF4-FFF2-40B4-BE49-F238E27FC236}">
+                  <a16:creationId xmlns:a16="http://schemas.microsoft.com/office/drawing/2014/main" id="{D3320DD6-F2B6-084F-81B1-D6031723DF64}"/>
+                </a:ext>
+              </a:extLst>
+            </p:cNvPr>
+            <p:cNvCxnSpPr/>
+            <p:nvPr/>
+          </p:nvCxnSpPr>
+          <p:spPr>
+            <a:xfrm flipV="1">
+              <a:off x="6426531" y="3110017"/>
+              <a:ext cx="0" cy="367711"/>
+            </a:xfrm>
+            <a:prstGeom prst="straightConnector1">
+              <a:avLst/>
+            </a:prstGeom>
+            <a:ln w="25400">
+              <a:solidFill>
+                <a:schemeClr val="accent6">
+                  <a:lumMod val="75000"/>
+                </a:schemeClr>
+              </a:solidFill>
+              <a:tailEnd type="triangle"/>
+            </a:ln>
+          </p:spPr>
+          <p:style>
+            <a:lnRef idx="1">
+              <a:schemeClr val="accent1"/>
+            </a:lnRef>
+            <a:fillRef idx="0">
+              <a:schemeClr val="accent1"/>
+            </a:fillRef>
+            <a:effectRef idx="0">
+              <a:schemeClr val="accent1"/>
+            </a:effectRef>
+            <a:fontRef idx="minor">
+              <a:schemeClr val="tx1"/>
+            </a:fontRef>
+          </p:style>
+        </p:cxnSp>
+        <p:cxnSp>
+          <p:nvCxnSpPr>
+            <p:cNvPr id="155" name="Straight Arrow Connector 154">
+              <a:extLst>
+                <a:ext uri="{FF2B5EF4-FFF2-40B4-BE49-F238E27FC236}">
+                  <a16:creationId xmlns:a16="http://schemas.microsoft.com/office/drawing/2014/main" id="{820C4BBC-ADBE-2042-8332-7C38A6D89344}"/>
+                </a:ext>
+              </a:extLst>
+            </p:cNvPr>
+            <p:cNvCxnSpPr/>
+            <p:nvPr/>
+          </p:nvCxnSpPr>
+          <p:spPr>
+            <a:xfrm flipV="1">
+              <a:off x="7403683" y="3098624"/>
+              <a:ext cx="0" cy="367711"/>
+            </a:xfrm>
+            <a:prstGeom prst="straightConnector1">
+              <a:avLst/>
+            </a:prstGeom>
+            <a:ln w="25400">
+              <a:solidFill>
+                <a:schemeClr val="accent6">
+                  <a:lumMod val="75000"/>
+                </a:schemeClr>
+              </a:solidFill>
+              <a:tailEnd type="triangle"/>
+            </a:ln>
+          </p:spPr>
+          <p:style>
+            <a:lnRef idx="1">
+              <a:schemeClr val="accent1"/>
+            </a:lnRef>
+            <a:fillRef idx="0">
+              <a:schemeClr val="accent1"/>
+            </a:fillRef>
+            <a:effectRef idx="0">
+              <a:schemeClr val="accent1"/>
+            </a:effectRef>
+            <a:fontRef idx="minor">
+              <a:schemeClr val="tx1"/>
+            </a:fontRef>
+          </p:style>
+        </p:cxnSp>
+        <p:cxnSp>
+          <p:nvCxnSpPr>
+            <p:cNvPr id="156" name="Straight Arrow Connector 155">
+              <a:extLst>
+                <a:ext uri="{FF2B5EF4-FFF2-40B4-BE49-F238E27FC236}">
+                  <a16:creationId xmlns:a16="http://schemas.microsoft.com/office/drawing/2014/main" id="{528F6681-0BE9-DE43-ACFF-D3E9A984DA00}"/>
+                </a:ext>
+              </a:extLst>
+            </p:cNvPr>
+            <p:cNvCxnSpPr>
+              <a:cxnSpLocks/>
+            </p:cNvCxnSpPr>
+            <p:nvPr/>
+          </p:nvCxnSpPr>
+          <p:spPr>
+            <a:xfrm flipV="1">
+              <a:off x="9035315" y="3101300"/>
+              <a:ext cx="0" cy="367711"/>
+            </a:xfrm>
+            <a:prstGeom prst="straightConnector1">
+              <a:avLst/>
+            </a:prstGeom>
+            <a:ln w="25400">
+              <a:solidFill>
+                <a:schemeClr val="accent6">
+                  <a:lumMod val="75000"/>
+                </a:schemeClr>
+              </a:solidFill>
+              <a:tailEnd type="triangle"/>
+            </a:ln>
+          </p:spPr>
+          <p:style>
+            <a:lnRef idx="1">
+              <a:schemeClr val="accent1"/>
+            </a:lnRef>
+            <a:fillRef idx="0">
+              <a:schemeClr val="accent1"/>
+            </a:fillRef>
+            <a:effectRef idx="0">
+              <a:schemeClr val="accent1"/>
+            </a:effectRef>
+            <a:fontRef idx="minor">
+              <a:schemeClr val="tx1"/>
+            </a:fontRef>
+          </p:style>
+        </p:cxnSp>
+        <p:cxnSp>
+          <p:nvCxnSpPr>
+            <p:cNvPr id="157" name="Straight Arrow Connector 156">
+              <a:extLst>
+                <a:ext uri="{FF2B5EF4-FFF2-40B4-BE49-F238E27FC236}">
+                  <a16:creationId xmlns:a16="http://schemas.microsoft.com/office/drawing/2014/main" id="{510C1177-05F6-1D46-AB88-69A417AEDB3D}"/>
+                </a:ext>
+              </a:extLst>
+            </p:cNvPr>
+            <p:cNvCxnSpPr>
+              <a:cxnSpLocks/>
+              <a:stCxn id="151" idx="3"/>
+              <a:endCxn id="152" idx="1"/>
+            </p:cNvCxnSpPr>
+            <p:nvPr/>
+          </p:nvCxnSpPr>
+          <p:spPr>
+            <a:xfrm flipV="1">
+              <a:off x="6756028" y="2783736"/>
+              <a:ext cx="324372" cy="4804"/>
+            </a:xfrm>
+            <a:prstGeom prst="straightConnector1">
+              <a:avLst/>
+            </a:prstGeom>
+            <a:ln w="25400">
+              <a:solidFill>
+                <a:schemeClr val="tx1"/>
+              </a:solidFill>
+              <a:tailEnd type="triangle"/>
+            </a:ln>
+          </p:spPr>
+          <p:style>
+            <a:lnRef idx="1">
+              <a:schemeClr val="accent1"/>
+            </a:lnRef>
+            <a:fillRef idx="0">
+              <a:schemeClr val="accent1"/>
+            </a:fillRef>
+            <a:effectRef idx="0">
+              <a:schemeClr val="accent1"/>
+            </a:effectRef>
+            <a:fontRef idx="minor">
+              <a:schemeClr val="tx1"/>
+            </a:fontRef>
+          </p:style>
+        </p:cxnSp>
+        <p:cxnSp>
+          <p:nvCxnSpPr>
+            <p:cNvPr id="158" name="Straight Arrow Connector 157">
+              <a:extLst>
+                <a:ext uri="{FF2B5EF4-FFF2-40B4-BE49-F238E27FC236}">
+                  <a16:creationId xmlns:a16="http://schemas.microsoft.com/office/drawing/2014/main" id="{502E20BA-FF8C-C44B-9C38-89EEF40D3442}"/>
+                </a:ext>
+              </a:extLst>
+            </p:cNvPr>
+            <p:cNvCxnSpPr>
+              <a:cxnSpLocks/>
+            </p:cNvCxnSpPr>
+            <p:nvPr/>
+          </p:nvCxnSpPr>
+          <p:spPr>
+            <a:xfrm>
+              <a:off x="7726000" y="2788292"/>
+              <a:ext cx="274787" cy="2388"/>
+            </a:xfrm>
+            <a:prstGeom prst="straightConnector1">
+              <a:avLst/>
+            </a:prstGeom>
+            <a:ln w="25400">
+              <a:solidFill>
+                <a:schemeClr val="tx1"/>
+              </a:solidFill>
+              <a:tailEnd type="triangle"/>
+            </a:ln>
+          </p:spPr>
+          <p:style>
+            <a:lnRef idx="1">
+              <a:schemeClr val="accent1"/>
+            </a:lnRef>
+            <a:fillRef idx="0">
+              <a:schemeClr val="accent1"/>
+            </a:fillRef>
+            <a:effectRef idx="0">
+              <a:schemeClr val="accent1"/>
+            </a:effectRef>
+            <a:fontRef idx="minor">
+              <a:schemeClr val="tx1"/>
+            </a:fontRef>
+          </p:style>
+        </p:cxnSp>
+        <p:cxnSp>
+          <p:nvCxnSpPr>
+            <p:cNvPr id="159" name="Straight Arrow Connector 158">
+              <a:extLst>
+                <a:ext uri="{FF2B5EF4-FFF2-40B4-BE49-F238E27FC236}">
+                  <a16:creationId xmlns:a16="http://schemas.microsoft.com/office/drawing/2014/main" id="{D16ADECE-0712-F847-BB03-D045DBB5212B}"/>
+                </a:ext>
+              </a:extLst>
+            </p:cNvPr>
+            <p:cNvCxnSpPr/>
+            <p:nvPr/>
+          </p:nvCxnSpPr>
+          <p:spPr>
+            <a:xfrm>
+              <a:off x="8424545" y="2788292"/>
+              <a:ext cx="274787" cy="2388"/>
+            </a:xfrm>
+            <a:prstGeom prst="straightConnector1">
+              <a:avLst/>
+            </a:prstGeom>
+            <a:ln w="25400">
+              <a:solidFill>
+                <a:schemeClr val="tx1"/>
+              </a:solidFill>
+              <a:tailEnd type="triangle"/>
+            </a:ln>
+          </p:spPr>
+          <p:style>
+            <a:lnRef idx="1">
+              <a:schemeClr val="accent1"/>
+            </a:lnRef>
+            <a:fillRef idx="0">
+              <a:schemeClr val="accent1"/>
+            </a:fillRef>
+            <a:effectRef idx="0">
+              <a:schemeClr val="accent1"/>
+            </a:effectRef>
+            <a:fontRef idx="minor">
+              <a:schemeClr val="tx1"/>
+            </a:fontRef>
+          </p:style>
+        </p:cxnSp>
+        <p:cxnSp>
+          <p:nvCxnSpPr>
+            <p:cNvPr id="166" name="Straight Arrow Connector 165">
+              <a:extLst>
+                <a:ext uri="{FF2B5EF4-FFF2-40B4-BE49-F238E27FC236}">
+                  <a16:creationId xmlns:a16="http://schemas.microsoft.com/office/drawing/2014/main" id="{B0A390A8-3374-1E45-94C3-07AA90D94A58}"/>
+                </a:ext>
+              </a:extLst>
+            </p:cNvPr>
+            <p:cNvCxnSpPr/>
+            <p:nvPr/>
+          </p:nvCxnSpPr>
+          <p:spPr>
+            <a:xfrm flipV="1">
+              <a:off x="6434151" y="2119417"/>
+              <a:ext cx="0" cy="367711"/>
+            </a:xfrm>
+            <a:prstGeom prst="straightConnector1">
+              <a:avLst/>
+            </a:prstGeom>
+            <a:ln w="25400">
+              <a:solidFill>
+                <a:schemeClr val="tx1"/>
+              </a:solidFill>
+              <a:tailEnd type="triangle"/>
+            </a:ln>
+          </p:spPr>
+          <p:style>
+            <a:lnRef idx="1">
+              <a:schemeClr val="accent1"/>
+            </a:lnRef>
+            <a:fillRef idx="0">
+              <a:schemeClr val="accent1"/>
+            </a:fillRef>
+            <a:effectRef idx="0">
+              <a:schemeClr val="accent1"/>
+            </a:effectRef>
+            <a:fontRef idx="minor">
+              <a:schemeClr val="tx1"/>
+            </a:fontRef>
+          </p:style>
+        </p:cxnSp>
+        <p:cxnSp>
+          <p:nvCxnSpPr>
+            <p:cNvPr id="167" name="Straight Arrow Connector 166">
+              <a:extLst>
+                <a:ext uri="{FF2B5EF4-FFF2-40B4-BE49-F238E27FC236}">
+                  <a16:creationId xmlns:a16="http://schemas.microsoft.com/office/drawing/2014/main" id="{ECFF7FEE-741A-5540-BCCB-4725DE690F3C}"/>
+                </a:ext>
+              </a:extLst>
+            </p:cNvPr>
+            <p:cNvCxnSpPr/>
+            <p:nvPr/>
+          </p:nvCxnSpPr>
+          <p:spPr>
+            <a:xfrm flipV="1">
+              <a:off x="7411303" y="2108024"/>
+              <a:ext cx="0" cy="367711"/>
+            </a:xfrm>
+            <a:prstGeom prst="straightConnector1">
+              <a:avLst/>
+            </a:prstGeom>
+            <a:ln w="25400">
+              <a:solidFill>
+                <a:schemeClr val="tx1"/>
+              </a:solidFill>
+              <a:tailEnd type="triangle"/>
+            </a:ln>
+          </p:spPr>
+          <p:style>
+            <a:lnRef idx="1">
+              <a:schemeClr val="accent1"/>
+            </a:lnRef>
+            <a:fillRef idx="0">
+              <a:schemeClr val="accent1"/>
+            </a:fillRef>
+            <a:effectRef idx="0">
+              <a:schemeClr val="accent1"/>
+            </a:effectRef>
+            <a:fontRef idx="minor">
+              <a:schemeClr val="tx1"/>
+            </a:fontRef>
+          </p:style>
+        </p:cxnSp>
+        <p:cxnSp>
+          <p:nvCxnSpPr>
+            <p:cNvPr id="168" name="Straight Arrow Connector 167">
+              <a:extLst>
+                <a:ext uri="{FF2B5EF4-FFF2-40B4-BE49-F238E27FC236}">
+                  <a16:creationId xmlns:a16="http://schemas.microsoft.com/office/drawing/2014/main" id="{D56501B5-9905-8840-9D33-3FCAB1382B46}"/>
+                </a:ext>
+              </a:extLst>
+            </p:cNvPr>
+            <p:cNvCxnSpPr>
+              <a:cxnSpLocks/>
+            </p:cNvCxnSpPr>
+            <p:nvPr/>
+          </p:nvCxnSpPr>
+          <p:spPr>
+            <a:xfrm flipV="1">
+              <a:off x="9042935" y="2110700"/>
+              <a:ext cx="0" cy="367711"/>
+            </a:xfrm>
+            <a:prstGeom prst="straightConnector1">
+              <a:avLst/>
+            </a:prstGeom>
+            <a:ln w="25400">
+              <a:solidFill>
+                <a:schemeClr val="tx1"/>
+              </a:solidFill>
+              <a:tailEnd type="triangle"/>
+            </a:ln>
+          </p:spPr>
+          <p:style>
+            <a:lnRef idx="1">
+              <a:schemeClr val="accent1"/>
+            </a:lnRef>
+            <a:fillRef idx="0">
+              <a:schemeClr val="accent1"/>
+            </a:fillRef>
+            <a:effectRef idx="0">
+              <a:schemeClr val="accent1"/>
+            </a:effectRef>
+            <a:fontRef idx="minor">
+              <a:schemeClr val="tx1"/>
+            </a:fontRef>
+          </p:style>
+        </p:cxnSp>
+        <p:sp>
+          <p:nvSpPr>
+            <p:cNvPr id="169" name="Rectangle 168">
+              <a:extLst>
+                <a:ext uri="{FF2B5EF4-FFF2-40B4-BE49-F238E27FC236}">
+                  <a16:creationId xmlns:a16="http://schemas.microsoft.com/office/drawing/2014/main" id="{D432B216-F969-CF47-9B62-935B5A9B97CC}"/>
+                </a:ext>
+              </a:extLst>
+            </p:cNvPr>
+            <p:cNvSpPr/>
+            <p:nvPr/>
+          </p:nvSpPr>
+          <p:spPr>
+            <a:xfrm>
+              <a:off x="6115948" y="1486437"/>
+              <a:ext cx="640080" cy="640080"/>
+            </a:xfrm>
+            <a:prstGeom prst="rect">
+              <a:avLst/>
+            </a:prstGeom>
+            <a:solidFill>
+              <a:schemeClr val="accent5">
+                <a:lumMod val="60000"/>
+                <a:lumOff val="40000"/>
+              </a:schemeClr>
+            </a:solidFill>
+            <a:ln>
+              <a:solidFill>
+                <a:schemeClr val="accent5">
+                  <a:lumMod val="75000"/>
+                </a:schemeClr>
+              </a:solidFill>
+            </a:ln>
+          </p:spPr>
+          <p:style>
+            <a:lnRef idx="2">
+              <a:schemeClr val="accent1">
+                <a:shade val="50000"/>
+              </a:schemeClr>
+            </a:lnRef>
+            <a:fillRef idx="1">
+              <a:schemeClr val="accent1"/>
+            </a:fillRef>
+            <a:effectRef idx="0">
+              <a:schemeClr val="accent1"/>
+            </a:effectRef>
+            <a:fontRef idx="minor">
+              <a:schemeClr val="lt1"/>
+            </a:fontRef>
+          </p:style>
+          <p:txBody>
+            <a:bodyPr rtlCol="0" anchor="ctr"/>
+            <a:lstStyle/>
+            <a:p>
+              <a:pPr algn="ctr"/>
+              <a:r>
+                <a:rPr lang="en-US" altLang="zh-CN" dirty="0">
+                  <a:solidFill>
+                    <a:prstClr val="black"/>
+                  </a:solidFill>
+                </a:rPr>
+                <a:t>L</a:t>
+              </a:r>
+              <a:endParaRPr lang="en-US" sz="1400" dirty="0">
+                <a:solidFill>
+                  <a:schemeClr val="tx1"/>
+                </a:solidFill>
+              </a:endParaRPr>
+            </a:p>
+          </p:txBody>
+        </p:sp>
+        <p:sp>
+          <p:nvSpPr>
+            <p:cNvPr id="170" name="Rectangle 169">
+              <a:extLst>
+                <a:ext uri="{FF2B5EF4-FFF2-40B4-BE49-F238E27FC236}">
+                  <a16:creationId xmlns:a16="http://schemas.microsoft.com/office/drawing/2014/main" id="{2EEA401D-064E-CE46-B9D3-B4885C947A87}"/>
+                </a:ext>
+              </a:extLst>
+            </p:cNvPr>
+            <p:cNvSpPr/>
+            <p:nvPr/>
+          </p:nvSpPr>
+          <p:spPr>
+            <a:xfrm>
+              <a:off x="7080400" y="1481633"/>
+              <a:ext cx="640080" cy="640080"/>
+            </a:xfrm>
+            <a:prstGeom prst="rect">
+              <a:avLst/>
+            </a:prstGeom>
+            <a:solidFill>
+              <a:schemeClr val="accent5">
+                <a:lumMod val="60000"/>
+                <a:lumOff val="40000"/>
+              </a:schemeClr>
+            </a:solidFill>
+            <a:ln>
+              <a:solidFill>
+                <a:schemeClr val="accent5">
+                  <a:lumMod val="75000"/>
+                </a:schemeClr>
+              </a:solidFill>
+            </a:ln>
+          </p:spPr>
+          <p:style>
+            <a:lnRef idx="2">
+              <a:schemeClr val="accent1">
+                <a:shade val="50000"/>
+              </a:schemeClr>
+            </a:lnRef>
+            <a:fillRef idx="1">
+              <a:schemeClr val="accent1"/>
+            </a:fillRef>
+            <a:effectRef idx="0">
+              <a:schemeClr val="accent1"/>
+            </a:effectRef>
+            <a:fontRef idx="minor">
+              <a:schemeClr val="lt1"/>
+            </a:fontRef>
+          </p:style>
+          <p:txBody>
+            <a:bodyPr rtlCol="0" anchor="ctr"/>
+            <a:lstStyle/>
+            <a:p>
+              <a:pPr algn="ctr"/>
+              <a:r>
+                <a:rPr lang="en-US" altLang="zh-CN" dirty="0">
+                  <a:solidFill>
+                    <a:schemeClr val="tx1"/>
+                  </a:solidFill>
+                </a:rPr>
+                <a:t>L</a:t>
+              </a:r>
+              <a:endParaRPr lang="en-US" dirty="0">
+                <a:solidFill>
+                  <a:schemeClr val="tx1"/>
+                </a:solidFill>
+              </a:endParaRPr>
+            </a:p>
+          </p:txBody>
+        </p:sp>
+        <p:sp>
+          <p:nvSpPr>
+            <p:cNvPr id="171" name="Rectangle 170">
+              <a:extLst>
+                <a:ext uri="{FF2B5EF4-FFF2-40B4-BE49-F238E27FC236}">
+                  <a16:creationId xmlns:a16="http://schemas.microsoft.com/office/drawing/2014/main" id="{5AF0C6F8-BA1E-B347-8100-F152009978E4}"/>
+                </a:ext>
+              </a:extLst>
+            </p:cNvPr>
+            <p:cNvSpPr/>
+            <p:nvPr/>
+          </p:nvSpPr>
+          <p:spPr>
+            <a:xfrm>
+              <a:off x="8699332" y="1491669"/>
+              <a:ext cx="640080" cy="640080"/>
+            </a:xfrm>
+            <a:prstGeom prst="rect">
+              <a:avLst/>
+            </a:prstGeom>
+            <a:solidFill>
+              <a:schemeClr val="accent5">
+                <a:lumMod val="60000"/>
+                <a:lumOff val="40000"/>
+              </a:schemeClr>
+            </a:solidFill>
+            <a:ln>
+              <a:solidFill>
+                <a:schemeClr val="accent5">
+                  <a:lumMod val="75000"/>
+                </a:schemeClr>
+              </a:solidFill>
+            </a:ln>
+          </p:spPr>
+          <p:style>
+            <a:lnRef idx="2">
+              <a:schemeClr val="accent1">
+                <a:shade val="50000"/>
+              </a:schemeClr>
+            </a:lnRef>
+            <a:fillRef idx="1">
+              <a:schemeClr val="accent1"/>
+            </a:fillRef>
+            <a:effectRef idx="0">
+              <a:schemeClr val="accent1"/>
+            </a:effectRef>
+            <a:fontRef idx="minor">
+              <a:schemeClr val="lt1"/>
+            </a:fontRef>
+          </p:style>
+          <p:txBody>
+            <a:bodyPr rtlCol="0" anchor="ctr"/>
+            <a:lstStyle/>
+            <a:p>
+              <a:pPr algn="ctr"/>
+              <a:r>
+                <a:rPr lang="en-US" altLang="zh-CN" dirty="0">
+                  <a:solidFill>
+                    <a:schemeClr val="tx1"/>
+                  </a:solidFill>
+                </a:rPr>
+                <a:t>L</a:t>
+              </a:r>
+              <a:endParaRPr lang="en-US" dirty="0">
+                <a:solidFill>
+                  <a:schemeClr val="tx1"/>
+                </a:solidFill>
+              </a:endParaRPr>
+            </a:p>
+          </p:txBody>
+        </p:sp>
+        <p:cxnSp>
+          <p:nvCxnSpPr>
+            <p:cNvPr id="175" name="Straight Arrow Connector 174">
+              <a:extLst>
+                <a:ext uri="{FF2B5EF4-FFF2-40B4-BE49-F238E27FC236}">
+                  <a16:creationId xmlns:a16="http://schemas.microsoft.com/office/drawing/2014/main" id="{1FB09901-0D10-E54D-BBA1-B82B05D0C898}"/>
+                </a:ext>
+              </a:extLst>
+            </p:cNvPr>
+            <p:cNvCxnSpPr/>
+            <p:nvPr/>
+          </p:nvCxnSpPr>
+          <p:spPr>
+            <a:xfrm flipV="1">
+              <a:off x="6273996" y="2129505"/>
+              <a:ext cx="0" cy="228600"/>
+            </a:xfrm>
+            <a:prstGeom prst="straightConnector1">
+              <a:avLst/>
+            </a:prstGeom>
+            <a:ln w="25400">
+              <a:solidFill>
+                <a:schemeClr val="accent4">
+                  <a:lumMod val="75000"/>
+                </a:schemeClr>
+              </a:solidFill>
+              <a:tailEnd type="triangle"/>
+            </a:ln>
+          </p:spPr>
+          <p:style>
+            <a:lnRef idx="1">
+              <a:schemeClr val="accent1"/>
+            </a:lnRef>
+            <a:fillRef idx="0">
+              <a:schemeClr val="accent1"/>
+            </a:fillRef>
+            <a:effectRef idx="0">
+              <a:schemeClr val="accent1"/>
+            </a:effectRef>
+            <a:fontRef idx="minor">
+              <a:schemeClr val="tx1"/>
+            </a:fontRef>
+          </p:style>
+        </p:cxnSp>
+        <p:cxnSp>
+          <p:nvCxnSpPr>
+            <p:cNvPr id="176" name="Straight Arrow Connector 175">
+              <a:extLst>
+                <a:ext uri="{FF2B5EF4-FFF2-40B4-BE49-F238E27FC236}">
+                  <a16:creationId xmlns:a16="http://schemas.microsoft.com/office/drawing/2014/main" id="{7AC47408-3E92-0A4A-9B48-894E75B8551D}"/>
+                </a:ext>
+              </a:extLst>
+            </p:cNvPr>
+            <p:cNvCxnSpPr/>
+            <p:nvPr/>
+          </p:nvCxnSpPr>
+          <p:spPr>
+            <a:xfrm flipV="1">
+              <a:off x="7251148" y="2131413"/>
+              <a:ext cx="0" cy="228600"/>
+            </a:xfrm>
+            <a:prstGeom prst="straightConnector1">
+              <a:avLst/>
+            </a:prstGeom>
+            <a:ln w="25400">
+              <a:solidFill>
+                <a:schemeClr val="accent4">
+                  <a:lumMod val="75000"/>
+                </a:schemeClr>
+              </a:solidFill>
+              <a:tailEnd type="triangle"/>
+            </a:ln>
+          </p:spPr>
+          <p:style>
+            <a:lnRef idx="1">
+              <a:schemeClr val="accent1"/>
+            </a:lnRef>
+            <a:fillRef idx="0">
+              <a:schemeClr val="accent1"/>
+            </a:fillRef>
+            <a:effectRef idx="0">
+              <a:schemeClr val="accent1"/>
+            </a:effectRef>
+            <a:fontRef idx="minor">
+              <a:schemeClr val="tx1"/>
+            </a:fontRef>
+          </p:style>
+        </p:cxnSp>
+        <p:cxnSp>
+          <p:nvCxnSpPr>
+            <p:cNvPr id="177" name="Straight Arrow Connector 176">
+              <a:extLst>
+                <a:ext uri="{FF2B5EF4-FFF2-40B4-BE49-F238E27FC236}">
+                  <a16:creationId xmlns:a16="http://schemas.microsoft.com/office/drawing/2014/main" id="{33E9A526-8114-8C42-A48C-CC324FBDC6D1}"/>
+                </a:ext>
+              </a:extLst>
+            </p:cNvPr>
+            <p:cNvCxnSpPr>
+              <a:cxnSpLocks/>
+            </p:cNvCxnSpPr>
+            <p:nvPr/>
+          </p:nvCxnSpPr>
+          <p:spPr>
+            <a:xfrm flipV="1">
+              <a:off x="8843192" y="2133207"/>
+              <a:ext cx="0" cy="236764"/>
+            </a:xfrm>
+            <a:prstGeom prst="straightConnector1">
+              <a:avLst/>
+            </a:prstGeom>
+            <a:ln w="25400">
+              <a:solidFill>
+                <a:schemeClr val="accent4">
+                  <a:lumMod val="75000"/>
+                </a:schemeClr>
+              </a:solidFill>
+              <a:tailEnd type="triangle"/>
+            </a:ln>
+          </p:spPr>
+          <p:style>
+            <a:lnRef idx="1">
+              <a:schemeClr val="accent1"/>
+            </a:lnRef>
+            <a:fillRef idx="0">
+              <a:schemeClr val="accent1"/>
+            </a:fillRef>
+            <a:effectRef idx="0">
+              <a:schemeClr val="accent1"/>
+            </a:effectRef>
+            <a:fontRef idx="minor">
+              <a:schemeClr val="tx1"/>
+            </a:fontRef>
+          </p:style>
+        </p:cxnSp>
+        <p:cxnSp>
+          <p:nvCxnSpPr>
+            <p:cNvPr id="182" name="Straight Arrow Connector 181">
+              <a:extLst>
+                <a:ext uri="{FF2B5EF4-FFF2-40B4-BE49-F238E27FC236}">
+                  <a16:creationId xmlns:a16="http://schemas.microsoft.com/office/drawing/2014/main" id="{9BA6D526-6108-4A47-9F58-7F64B2CBD269}"/>
+                </a:ext>
+              </a:extLst>
+            </p:cNvPr>
+            <p:cNvCxnSpPr>
+              <a:cxnSpLocks/>
+            </p:cNvCxnSpPr>
+            <p:nvPr/>
+          </p:nvCxnSpPr>
+          <p:spPr>
+            <a:xfrm flipV="1">
+              <a:off x="6408602" y="1043029"/>
+              <a:ext cx="0" cy="457200"/>
+            </a:xfrm>
+            <a:prstGeom prst="straightConnector1">
+              <a:avLst/>
+            </a:prstGeom>
+            <a:ln w="25400">
+              <a:solidFill>
+                <a:schemeClr val="tx1"/>
+              </a:solidFill>
+              <a:tailEnd type="triangle"/>
+            </a:ln>
+          </p:spPr>
+          <p:style>
+            <a:lnRef idx="1">
+              <a:schemeClr val="accent1"/>
+            </a:lnRef>
+            <a:fillRef idx="0">
+              <a:schemeClr val="accent1"/>
+            </a:fillRef>
+            <a:effectRef idx="0">
+              <a:schemeClr val="accent1"/>
+            </a:effectRef>
+            <a:fontRef idx="minor">
+              <a:schemeClr val="tx1"/>
+            </a:fontRef>
+          </p:style>
+        </p:cxnSp>
+        <p:cxnSp>
+          <p:nvCxnSpPr>
+            <p:cNvPr id="183" name="Straight Arrow Connector 182">
+              <a:extLst>
+                <a:ext uri="{FF2B5EF4-FFF2-40B4-BE49-F238E27FC236}">
+                  <a16:creationId xmlns:a16="http://schemas.microsoft.com/office/drawing/2014/main" id="{D4181842-34BB-6141-84AA-074AB5434F40}"/>
+                </a:ext>
+              </a:extLst>
+            </p:cNvPr>
+            <p:cNvCxnSpPr/>
+            <p:nvPr/>
+          </p:nvCxnSpPr>
+          <p:spPr>
+            <a:xfrm flipV="1">
+              <a:off x="7385754" y="1031636"/>
+              <a:ext cx="0" cy="457200"/>
+            </a:xfrm>
+            <a:prstGeom prst="straightConnector1">
+              <a:avLst/>
+            </a:prstGeom>
+            <a:ln w="25400">
+              <a:solidFill>
+                <a:schemeClr val="tx1"/>
+              </a:solidFill>
+              <a:tailEnd type="triangle"/>
+            </a:ln>
+          </p:spPr>
+          <p:style>
+            <a:lnRef idx="1">
+              <a:schemeClr val="accent1"/>
+            </a:lnRef>
+            <a:fillRef idx="0">
+              <a:schemeClr val="accent1"/>
+            </a:fillRef>
+            <a:effectRef idx="0">
+              <a:schemeClr val="accent1"/>
+            </a:effectRef>
+            <a:fontRef idx="minor">
+              <a:schemeClr val="tx1"/>
+            </a:fontRef>
+          </p:style>
+        </p:cxnSp>
+        <p:cxnSp>
+          <p:nvCxnSpPr>
+            <p:cNvPr id="184" name="Straight Arrow Connector 183">
+              <a:extLst>
+                <a:ext uri="{FF2B5EF4-FFF2-40B4-BE49-F238E27FC236}">
+                  <a16:creationId xmlns:a16="http://schemas.microsoft.com/office/drawing/2014/main" id="{BF803A36-E4A6-E34D-8DDB-CECED9F60DF1}"/>
+                </a:ext>
+              </a:extLst>
+            </p:cNvPr>
+            <p:cNvCxnSpPr>
+              <a:cxnSpLocks/>
+            </p:cNvCxnSpPr>
+            <p:nvPr/>
+          </p:nvCxnSpPr>
+          <p:spPr>
+            <a:xfrm flipV="1">
+              <a:off x="9017386" y="1034312"/>
+              <a:ext cx="0" cy="457200"/>
+            </a:xfrm>
+            <a:prstGeom prst="straightConnector1">
+              <a:avLst/>
+            </a:prstGeom>
+            <a:ln w="25400">
+              <a:solidFill>
+                <a:schemeClr val="tx1"/>
+              </a:solidFill>
+              <a:tailEnd type="triangle"/>
+            </a:ln>
+          </p:spPr>
+          <p:style>
+            <a:lnRef idx="1">
+              <a:schemeClr val="accent1"/>
+            </a:lnRef>
+            <a:fillRef idx="0">
+              <a:schemeClr val="accent1"/>
+            </a:fillRef>
+            <a:effectRef idx="0">
+              <a:schemeClr val="accent1"/>
+            </a:effectRef>
+            <a:fontRef idx="minor">
+              <a:schemeClr val="tx1"/>
+            </a:fontRef>
+          </p:style>
+        </p:cxnSp>
+        <p:grpSp>
+          <p:nvGrpSpPr>
+            <p:cNvPr id="208" name="Group 207">
+              <a:extLst>
+                <a:ext uri="{FF2B5EF4-FFF2-40B4-BE49-F238E27FC236}">
+                  <a16:creationId xmlns:a16="http://schemas.microsoft.com/office/drawing/2014/main" id="{FE835C35-1CF8-1843-A73C-EC9420CDAC33}"/>
+                </a:ext>
+              </a:extLst>
+            </p:cNvPr>
+            <p:cNvGrpSpPr/>
+            <p:nvPr/>
+          </p:nvGrpSpPr>
+          <p:grpSpPr>
+            <a:xfrm>
+              <a:off x="6429525" y="2131089"/>
+              <a:ext cx="413246" cy="1170676"/>
+              <a:chOff x="6290377" y="1634136"/>
+              <a:chExt cx="465405" cy="1170676"/>
+            </a:xfrm>
+          </p:grpSpPr>
+          <p:grpSp>
+            <p:nvGrpSpPr>
+              <p:cNvPr id="194" name="Group 193">
+                <a:extLst>
+                  <a:ext uri="{FF2B5EF4-FFF2-40B4-BE49-F238E27FC236}">
+                    <a16:creationId xmlns:a16="http://schemas.microsoft.com/office/drawing/2014/main" id="{3A792BA6-0B29-2649-8BCD-F3B25F6BAA79}"/>
+                  </a:ext>
+                </a:extLst>
+              </p:cNvPr>
+              <p:cNvGrpSpPr/>
+              <p:nvPr/>
+            </p:nvGrpSpPr>
+            <p:grpSpPr>
+              <a:xfrm>
+                <a:off x="6290377" y="1769365"/>
+                <a:ext cx="465350" cy="1035447"/>
+                <a:chOff x="8436371" y="1845735"/>
+                <a:chExt cx="271458" cy="1035447"/>
+              </a:xfrm>
+            </p:grpSpPr>
+            <p:cxnSp>
+              <p:nvCxnSpPr>
+                <p:cNvPr id="195" name="Straight Connector 194">
+                  <a:extLst>
+                    <a:ext uri="{FF2B5EF4-FFF2-40B4-BE49-F238E27FC236}">
+                      <a16:creationId xmlns:a16="http://schemas.microsoft.com/office/drawing/2014/main" id="{0B45CA85-4CDC-6E45-942E-7DA54D4021EC}"/>
+                    </a:ext>
+                  </a:extLst>
+                </p:cNvPr>
+                <p:cNvCxnSpPr>
+                  <a:cxnSpLocks/>
+                </p:cNvCxnSpPr>
+                <p:nvPr/>
+              </p:nvCxnSpPr>
+              <p:spPr>
+                <a:xfrm flipH="1">
+                  <a:off x="8702495" y="1845735"/>
+                  <a:ext cx="1" cy="1035447"/>
+                </a:xfrm>
+                <a:prstGeom prst="line">
+                  <a:avLst/>
+                </a:prstGeom>
+                <a:ln w="25400">
+                  <a:solidFill>
+                    <a:schemeClr val="accent6">
+                      <a:lumMod val="75000"/>
+                    </a:schemeClr>
+                  </a:solidFill>
+                </a:ln>
+              </p:spPr>
+              <p:style>
+                <a:lnRef idx="1">
+                  <a:schemeClr val="accent1"/>
+                </a:lnRef>
+                <a:fillRef idx="0">
+                  <a:schemeClr val="accent1"/>
+                </a:fillRef>
+                <a:effectRef idx="0">
+                  <a:schemeClr val="accent1"/>
+                </a:effectRef>
+                <a:fontRef idx="minor">
+                  <a:schemeClr val="tx1"/>
+                </a:fontRef>
+              </p:style>
+            </p:cxnSp>
+            <p:cxnSp>
+              <p:nvCxnSpPr>
+                <p:cNvPr id="196" name="Straight Connector 195">
+                  <a:extLst>
+                    <a:ext uri="{FF2B5EF4-FFF2-40B4-BE49-F238E27FC236}">
+                      <a16:creationId xmlns:a16="http://schemas.microsoft.com/office/drawing/2014/main" id="{F6014F8F-BD35-624B-A531-AF0487D986AC}"/>
+                    </a:ext>
+                  </a:extLst>
+                </p:cNvPr>
+                <p:cNvCxnSpPr>
+                  <a:cxnSpLocks/>
+                </p:cNvCxnSpPr>
+                <p:nvPr/>
+              </p:nvCxnSpPr>
+              <p:spPr>
+                <a:xfrm>
+                  <a:off x="8436371" y="2872038"/>
+                  <a:ext cx="271458" cy="0"/>
+                </a:xfrm>
+                <a:prstGeom prst="line">
+                  <a:avLst/>
+                </a:prstGeom>
+                <a:ln w="25400">
+                  <a:solidFill>
+                    <a:schemeClr val="accent6">
+                      <a:lumMod val="75000"/>
+                    </a:schemeClr>
+                  </a:solidFill>
+                </a:ln>
+              </p:spPr>
+              <p:style>
+                <a:lnRef idx="1">
+                  <a:schemeClr val="accent1"/>
+                </a:lnRef>
+                <a:fillRef idx="0">
+                  <a:schemeClr val="accent1"/>
+                </a:fillRef>
+                <a:effectRef idx="0">
+                  <a:schemeClr val="accent1"/>
+                </a:effectRef>
+                <a:fontRef idx="minor">
+                  <a:schemeClr val="tx1"/>
+                </a:fontRef>
+              </p:style>
+            </p:cxnSp>
+          </p:grpSp>
+          <p:cxnSp>
+            <p:nvCxnSpPr>
+              <p:cNvPr id="203" name="Straight Connector 202">
+                <a:extLst>
+                  <a:ext uri="{FF2B5EF4-FFF2-40B4-BE49-F238E27FC236}">
+                    <a16:creationId xmlns:a16="http://schemas.microsoft.com/office/drawing/2014/main" id="{75BA8A01-628A-4E4E-929F-854B8DADE3AB}"/>
+                  </a:ext>
+                </a:extLst>
+              </p:cNvPr>
+              <p:cNvCxnSpPr>
+                <a:cxnSpLocks/>
+              </p:cNvCxnSpPr>
+              <p:nvPr/>
+            </p:nvCxnSpPr>
+            <p:spPr>
+              <a:xfrm>
+                <a:off x="6455664" y="1778509"/>
+                <a:ext cx="300118" cy="0"/>
+              </a:xfrm>
+              <a:prstGeom prst="line">
+                <a:avLst/>
+              </a:prstGeom>
+              <a:ln w="25400">
+                <a:solidFill>
+                  <a:schemeClr val="accent6">
+                    <a:lumMod val="75000"/>
+                  </a:schemeClr>
+                </a:solidFill>
+              </a:ln>
+            </p:spPr>
+            <p:style>
+              <a:lnRef idx="1">
+                <a:schemeClr val="accent1"/>
+              </a:lnRef>
+              <a:fillRef idx="0">
+                <a:schemeClr val="accent1"/>
+              </a:fillRef>
+              <a:effectRef idx="0">
+                <a:schemeClr val="accent1"/>
+              </a:effectRef>
+              <a:fontRef idx="minor">
+                <a:schemeClr val="tx1"/>
+              </a:fontRef>
+            </p:style>
+          </p:cxnSp>
+          <p:cxnSp>
+            <p:nvCxnSpPr>
+              <p:cNvPr id="205" name="Straight Arrow Connector 204">
+                <a:extLst>
+                  <a:ext uri="{FF2B5EF4-FFF2-40B4-BE49-F238E27FC236}">
+                    <a16:creationId xmlns:a16="http://schemas.microsoft.com/office/drawing/2014/main" id="{83642765-1152-E047-888E-710D7E7594D1}"/>
+                  </a:ext>
+                </a:extLst>
+              </p:cNvPr>
+              <p:cNvCxnSpPr>
+                <a:cxnSpLocks/>
+              </p:cNvCxnSpPr>
+              <p:nvPr/>
+            </p:nvCxnSpPr>
+            <p:spPr>
+              <a:xfrm flipV="1">
+                <a:off x="6469380" y="1634136"/>
+                <a:ext cx="0" cy="148945"/>
+              </a:xfrm>
+              <a:prstGeom prst="straightConnector1">
+                <a:avLst/>
+              </a:prstGeom>
+              <a:ln w="25400">
+                <a:solidFill>
+                  <a:schemeClr val="accent6">
+                    <a:lumMod val="75000"/>
+                  </a:schemeClr>
+                </a:solidFill>
+                <a:tailEnd type="triangle"/>
+              </a:ln>
+            </p:spPr>
+            <p:style>
+              <a:lnRef idx="1">
+                <a:schemeClr val="accent1"/>
+              </a:lnRef>
+              <a:fillRef idx="0">
+                <a:schemeClr val="accent1"/>
+              </a:fillRef>
+              <a:effectRef idx="0">
+                <a:schemeClr val="accent1"/>
+              </a:effectRef>
+              <a:fontRef idx="minor">
+                <a:schemeClr val="tx1"/>
+              </a:fontRef>
+            </p:style>
+          </p:cxnSp>
+        </p:grpSp>
+        <p:grpSp>
+          <p:nvGrpSpPr>
+            <p:cNvPr id="209" name="Group 208">
+              <a:extLst>
+                <a:ext uri="{FF2B5EF4-FFF2-40B4-BE49-F238E27FC236}">
+                  <a16:creationId xmlns:a16="http://schemas.microsoft.com/office/drawing/2014/main" id="{6C052009-28B3-034B-8DB0-C22029EDF489}"/>
+                </a:ext>
+              </a:extLst>
+            </p:cNvPr>
+            <p:cNvGrpSpPr/>
+            <p:nvPr/>
+          </p:nvGrpSpPr>
+          <p:grpSpPr>
+            <a:xfrm>
+              <a:off x="7412270" y="2121554"/>
+              <a:ext cx="403166" cy="1170676"/>
+              <a:chOff x="6283810" y="1634136"/>
+              <a:chExt cx="471972" cy="1170676"/>
+            </a:xfrm>
+          </p:grpSpPr>
+          <p:grpSp>
+            <p:nvGrpSpPr>
+              <p:cNvPr id="210" name="Group 209">
+                <a:extLst>
+                  <a:ext uri="{FF2B5EF4-FFF2-40B4-BE49-F238E27FC236}">
+                    <a16:creationId xmlns:a16="http://schemas.microsoft.com/office/drawing/2014/main" id="{C182DDC7-A013-784B-A9D1-475DCC5B6AB1}"/>
+                  </a:ext>
+                </a:extLst>
+              </p:cNvPr>
+              <p:cNvGrpSpPr/>
+              <p:nvPr/>
+            </p:nvGrpSpPr>
+            <p:grpSpPr>
+              <a:xfrm>
+                <a:off x="6283810" y="1769365"/>
+                <a:ext cx="465350" cy="1035447"/>
+                <a:chOff x="8432540" y="1845735"/>
+                <a:chExt cx="271458" cy="1035447"/>
+              </a:xfrm>
+            </p:grpSpPr>
+            <p:cxnSp>
+              <p:nvCxnSpPr>
+                <p:cNvPr id="213" name="Straight Connector 212">
+                  <a:extLst>
+                    <a:ext uri="{FF2B5EF4-FFF2-40B4-BE49-F238E27FC236}">
+                      <a16:creationId xmlns:a16="http://schemas.microsoft.com/office/drawing/2014/main" id="{0FA82EF1-BB77-9542-9C93-4E6DD376D2B7}"/>
+                    </a:ext>
+                  </a:extLst>
+                </p:cNvPr>
+                <p:cNvCxnSpPr>
+                  <a:cxnSpLocks/>
+                </p:cNvCxnSpPr>
+                <p:nvPr/>
+              </p:nvCxnSpPr>
+              <p:spPr>
+                <a:xfrm flipH="1">
+                  <a:off x="8702495" y="1845735"/>
+                  <a:ext cx="1" cy="1035447"/>
+                </a:xfrm>
+                <a:prstGeom prst="line">
+                  <a:avLst/>
+                </a:prstGeom>
+                <a:ln w="25400">
+                  <a:solidFill>
+                    <a:schemeClr val="accent6">
+                      <a:lumMod val="75000"/>
+                    </a:schemeClr>
+                  </a:solidFill>
+                </a:ln>
+              </p:spPr>
+              <p:style>
+                <a:lnRef idx="1">
+                  <a:schemeClr val="accent1"/>
+                </a:lnRef>
+                <a:fillRef idx="0">
+                  <a:schemeClr val="accent1"/>
+                </a:fillRef>
+                <a:effectRef idx="0">
+                  <a:schemeClr val="accent1"/>
+                </a:effectRef>
+                <a:fontRef idx="minor">
+                  <a:schemeClr val="tx1"/>
+                </a:fontRef>
+              </p:style>
+            </p:cxnSp>
+            <p:cxnSp>
+              <p:nvCxnSpPr>
+                <p:cNvPr id="214" name="Straight Connector 213">
+                  <a:extLst>
+                    <a:ext uri="{FF2B5EF4-FFF2-40B4-BE49-F238E27FC236}">
+                      <a16:creationId xmlns:a16="http://schemas.microsoft.com/office/drawing/2014/main" id="{7E75B6FD-D81A-7645-A790-20082C5AE208}"/>
+                    </a:ext>
+                  </a:extLst>
+                </p:cNvPr>
+                <p:cNvCxnSpPr>
+                  <a:cxnSpLocks/>
+                </p:cNvCxnSpPr>
+                <p:nvPr/>
+              </p:nvCxnSpPr>
+              <p:spPr>
+                <a:xfrm>
+                  <a:off x="8432540" y="2872038"/>
+                  <a:ext cx="271458" cy="0"/>
+                </a:xfrm>
+                <a:prstGeom prst="line">
+                  <a:avLst/>
+                </a:prstGeom>
+                <a:ln w="25400">
+                  <a:solidFill>
+                    <a:schemeClr val="accent6">
+                      <a:lumMod val="75000"/>
+                    </a:schemeClr>
+                  </a:solidFill>
+                </a:ln>
+              </p:spPr>
+              <p:style>
+                <a:lnRef idx="1">
+                  <a:schemeClr val="accent1"/>
+                </a:lnRef>
+                <a:fillRef idx="0">
+                  <a:schemeClr val="accent1"/>
+                </a:fillRef>
+                <a:effectRef idx="0">
+                  <a:schemeClr val="accent1"/>
+                </a:effectRef>
+                <a:fontRef idx="minor">
+                  <a:schemeClr val="tx1"/>
+                </a:fontRef>
+              </p:style>
+            </p:cxnSp>
+          </p:grpSp>
+          <p:cxnSp>
+            <p:nvCxnSpPr>
+              <p:cNvPr id="211" name="Straight Connector 210">
+                <a:extLst>
+                  <a:ext uri="{FF2B5EF4-FFF2-40B4-BE49-F238E27FC236}">
+                    <a16:creationId xmlns:a16="http://schemas.microsoft.com/office/drawing/2014/main" id="{4F0E64B2-B49C-AA42-AC7F-158AE02C08C9}"/>
+                  </a:ext>
+                </a:extLst>
+              </p:cNvPr>
+              <p:cNvCxnSpPr>
+                <a:cxnSpLocks/>
+              </p:cNvCxnSpPr>
+              <p:nvPr/>
+            </p:nvCxnSpPr>
+            <p:spPr>
+              <a:xfrm>
+                <a:off x="6455664" y="1778509"/>
+                <a:ext cx="300118" cy="0"/>
+              </a:xfrm>
+              <a:prstGeom prst="line">
+                <a:avLst/>
+              </a:prstGeom>
+              <a:ln w="25400">
+                <a:solidFill>
+                  <a:schemeClr val="accent6">
+                    <a:lumMod val="75000"/>
+                  </a:schemeClr>
+                </a:solidFill>
+              </a:ln>
+            </p:spPr>
+            <p:style>
+              <a:lnRef idx="1">
+                <a:schemeClr val="accent1"/>
+              </a:lnRef>
+              <a:fillRef idx="0">
+                <a:schemeClr val="accent1"/>
+              </a:fillRef>
+              <a:effectRef idx="0">
+                <a:schemeClr val="accent1"/>
+              </a:effectRef>
+              <a:fontRef idx="minor">
+                <a:schemeClr val="tx1"/>
+              </a:fontRef>
+            </p:style>
+          </p:cxnSp>
+          <p:cxnSp>
+            <p:nvCxnSpPr>
+              <p:cNvPr id="212" name="Straight Arrow Connector 211">
+                <a:extLst>
+                  <a:ext uri="{FF2B5EF4-FFF2-40B4-BE49-F238E27FC236}">
+                    <a16:creationId xmlns:a16="http://schemas.microsoft.com/office/drawing/2014/main" id="{D12E06C6-0F5C-2546-A9E7-DF993E1B5202}"/>
+                  </a:ext>
+                </a:extLst>
+              </p:cNvPr>
+              <p:cNvCxnSpPr>
+                <a:cxnSpLocks/>
+              </p:cNvCxnSpPr>
+              <p:nvPr/>
+            </p:nvCxnSpPr>
+            <p:spPr>
+              <a:xfrm flipV="1">
+                <a:off x="6469380" y="1634136"/>
+                <a:ext cx="0" cy="148945"/>
+              </a:xfrm>
+              <a:prstGeom prst="straightConnector1">
+                <a:avLst/>
+              </a:prstGeom>
+              <a:ln w="25400">
+                <a:solidFill>
+                  <a:schemeClr val="accent6">
+                    <a:lumMod val="75000"/>
+                  </a:schemeClr>
+                </a:solidFill>
+                <a:tailEnd type="triangle"/>
+              </a:ln>
+            </p:spPr>
+            <p:style>
+              <a:lnRef idx="1">
+                <a:schemeClr val="accent1"/>
+              </a:lnRef>
+              <a:fillRef idx="0">
+                <a:schemeClr val="accent1"/>
+              </a:fillRef>
+              <a:effectRef idx="0">
+                <a:schemeClr val="accent1"/>
+              </a:effectRef>
+              <a:fontRef idx="minor">
+                <a:schemeClr val="tx1"/>
+              </a:fontRef>
+            </p:style>
+          </p:cxnSp>
+        </p:grpSp>
+        <p:grpSp>
+          <p:nvGrpSpPr>
+            <p:cNvPr id="216" name="Group 215">
+              <a:extLst>
+                <a:ext uri="{FF2B5EF4-FFF2-40B4-BE49-F238E27FC236}">
+                  <a16:creationId xmlns:a16="http://schemas.microsoft.com/office/drawing/2014/main" id="{548B6580-DE60-114C-B0E9-23F0CE968DBC}"/>
+                </a:ext>
+              </a:extLst>
+            </p:cNvPr>
+            <p:cNvGrpSpPr/>
+            <p:nvPr/>
+          </p:nvGrpSpPr>
+          <p:grpSpPr>
+            <a:xfrm>
+              <a:off x="9039721" y="2133207"/>
+              <a:ext cx="397556" cy="1170676"/>
+              <a:chOff x="6290377" y="1634136"/>
+              <a:chExt cx="465405" cy="1170676"/>
+            </a:xfrm>
+          </p:grpSpPr>
+          <p:grpSp>
+            <p:nvGrpSpPr>
+              <p:cNvPr id="217" name="Group 216">
+                <a:extLst>
+                  <a:ext uri="{FF2B5EF4-FFF2-40B4-BE49-F238E27FC236}">
+                    <a16:creationId xmlns:a16="http://schemas.microsoft.com/office/drawing/2014/main" id="{1BF1B660-71CD-B149-A0B4-0C82C960AFEB}"/>
+                  </a:ext>
+                </a:extLst>
+              </p:cNvPr>
+              <p:cNvGrpSpPr/>
+              <p:nvPr/>
+            </p:nvGrpSpPr>
+            <p:grpSpPr>
+              <a:xfrm>
+                <a:off x="6290377" y="1769365"/>
+                <a:ext cx="465350" cy="1035447"/>
+                <a:chOff x="8436371" y="1845735"/>
+                <a:chExt cx="271458" cy="1035447"/>
+              </a:xfrm>
+            </p:grpSpPr>
+            <p:cxnSp>
+              <p:nvCxnSpPr>
+                <p:cNvPr id="220" name="Straight Connector 219">
+                  <a:extLst>
+                    <a:ext uri="{FF2B5EF4-FFF2-40B4-BE49-F238E27FC236}">
+                      <a16:creationId xmlns:a16="http://schemas.microsoft.com/office/drawing/2014/main" id="{251BAA45-95DB-9344-9AF7-23CCD54610BB}"/>
+                    </a:ext>
+                  </a:extLst>
+                </p:cNvPr>
+                <p:cNvCxnSpPr>
+                  <a:cxnSpLocks/>
+                </p:cNvCxnSpPr>
+                <p:nvPr/>
+              </p:nvCxnSpPr>
+              <p:spPr>
+                <a:xfrm flipH="1">
+                  <a:off x="8702495" y="1845735"/>
+                  <a:ext cx="1" cy="1035447"/>
+                </a:xfrm>
+                <a:prstGeom prst="line">
+                  <a:avLst/>
+                </a:prstGeom>
+                <a:ln w="25400">
+                  <a:solidFill>
+                    <a:schemeClr val="accent6">
+                      <a:lumMod val="75000"/>
+                    </a:schemeClr>
+                  </a:solidFill>
+                </a:ln>
+              </p:spPr>
+              <p:style>
+                <a:lnRef idx="1">
+                  <a:schemeClr val="accent1"/>
+                </a:lnRef>
+                <a:fillRef idx="0">
+                  <a:schemeClr val="accent1"/>
+                </a:fillRef>
+                <a:effectRef idx="0">
+                  <a:schemeClr val="accent1"/>
+                </a:effectRef>
+                <a:fontRef idx="minor">
+                  <a:schemeClr val="tx1"/>
+                </a:fontRef>
+              </p:style>
+            </p:cxnSp>
+            <p:cxnSp>
+              <p:nvCxnSpPr>
+                <p:cNvPr id="221" name="Straight Connector 220">
+                  <a:extLst>
+                    <a:ext uri="{FF2B5EF4-FFF2-40B4-BE49-F238E27FC236}">
+                      <a16:creationId xmlns:a16="http://schemas.microsoft.com/office/drawing/2014/main" id="{FCB8A8C9-4676-1443-BC32-9CDE680B6235}"/>
+                    </a:ext>
+                  </a:extLst>
+                </p:cNvPr>
+                <p:cNvCxnSpPr>
+                  <a:cxnSpLocks/>
+                </p:cNvCxnSpPr>
+                <p:nvPr/>
+              </p:nvCxnSpPr>
+              <p:spPr>
+                <a:xfrm>
+                  <a:off x="8436371" y="2872038"/>
+                  <a:ext cx="271458" cy="0"/>
+                </a:xfrm>
+                <a:prstGeom prst="line">
+                  <a:avLst/>
+                </a:prstGeom>
+                <a:ln w="25400">
+                  <a:solidFill>
+                    <a:schemeClr val="accent6">
+                      <a:lumMod val="75000"/>
+                    </a:schemeClr>
+                  </a:solidFill>
+                </a:ln>
+              </p:spPr>
+              <p:style>
+                <a:lnRef idx="1">
+                  <a:schemeClr val="accent1"/>
+                </a:lnRef>
+                <a:fillRef idx="0">
+                  <a:schemeClr val="accent1"/>
+                </a:fillRef>
+                <a:effectRef idx="0">
+                  <a:schemeClr val="accent1"/>
+                </a:effectRef>
+                <a:fontRef idx="minor">
+                  <a:schemeClr val="tx1"/>
+                </a:fontRef>
+              </p:style>
+            </p:cxnSp>
+          </p:grpSp>
+          <p:cxnSp>
+            <p:nvCxnSpPr>
+              <p:cNvPr id="218" name="Straight Connector 217">
+                <a:extLst>
+                  <a:ext uri="{FF2B5EF4-FFF2-40B4-BE49-F238E27FC236}">
+                    <a16:creationId xmlns:a16="http://schemas.microsoft.com/office/drawing/2014/main" id="{C64D7B8D-F9CD-8B45-9DD5-EB9A1E26F90B}"/>
+                  </a:ext>
+                </a:extLst>
+              </p:cNvPr>
+              <p:cNvCxnSpPr>
+                <a:cxnSpLocks/>
+              </p:cNvCxnSpPr>
+              <p:nvPr/>
+            </p:nvCxnSpPr>
+            <p:spPr>
+              <a:xfrm>
+                <a:off x="6455664" y="1778509"/>
+                <a:ext cx="300118" cy="0"/>
+              </a:xfrm>
+              <a:prstGeom prst="line">
+                <a:avLst/>
+              </a:prstGeom>
+              <a:ln w="25400">
+                <a:solidFill>
+                  <a:schemeClr val="accent6">
+                    <a:lumMod val="75000"/>
+                  </a:schemeClr>
+                </a:solidFill>
+              </a:ln>
+            </p:spPr>
+            <p:style>
+              <a:lnRef idx="1">
+                <a:schemeClr val="accent1"/>
+              </a:lnRef>
+              <a:fillRef idx="0">
+                <a:schemeClr val="accent1"/>
+              </a:fillRef>
+              <a:effectRef idx="0">
+                <a:schemeClr val="accent1"/>
+              </a:effectRef>
+              <a:fontRef idx="minor">
+                <a:schemeClr val="tx1"/>
+              </a:fontRef>
+            </p:style>
+          </p:cxnSp>
+          <p:cxnSp>
+            <p:nvCxnSpPr>
+              <p:cNvPr id="219" name="Straight Arrow Connector 218">
+                <a:extLst>
+                  <a:ext uri="{FF2B5EF4-FFF2-40B4-BE49-F238E27FC236}">
+                    <a16:creationId xmlns:a16="http://schemas.microsoft.com/office/drawing/2014/main" id="{103B6F8C-008D-7D49-983C-00CF09D364CD}"/>
+                  </a:ext>
+                </a:extLst>
+              </p:cNvPr>
+              <p:cNvCxnSpPr>
+                <a:cxnSpLocks/>
+              </p:cNvCxnSpPr>
+              <p:nvPr/>
+            </p:nvCxnSpPr>
+            <p:spPr>
+              <a:xfrm flipV="1">
+                <a:off x="6469380" y="1634136"/>
+                <a:ext cx="0" cy="148945"/>
+              </a:xfrm>
+              <a:prstGeom prst="straightConnector1">
+                <a:avLst/>
+              </a:prstGeom>
+              <a:ln w="25400">
+                <a:solidFill>
+                  <a:schemeClr val="accent6">
+                    <a:lumMod val="75000"/>
+                  </a:schemeClr>
+                </a:solidFill>
+                <a:tailEnd type="triangle"/>
+              </a:ln>
+            </p:spPr>
+            <p:style>
+              <a:lnRef idx="1">
+                <a:schemeClr val="accent1"/>
+              </a:lnRef>
+              <a:fillRef idx="0">
+                <a:schemeClr val="accent1"/>
+              </a:fillRef>
+              <a:effectRef idx="0">
+                <a:schemeClr val="accent1"/>
+              </a:effectRef>
+              <a:fontRef idx="minor">
+                <a:schemeClr val="tx1"/>
+              </a:fontRef>
+            </p:style>
+          </p:cxnSp>
+        </p:grpSp>
+      </p:grpSp>
+    </p:spTree>
+    <p:extLst>
+      <p:ext uri="{BB962C8B-B14F-4D97-AF65-F5344CB8AC3E}">
+        <p14:creationId xmlns:p14="http://schemas.microsoft.com/office/powerpoint/2010/main" val="2177413636"/>
+      </p:ext>
+    </p:extLst>
+  </p:cSld>
+  <p:clrMapOvr>
+    <a:masterClrMapping/>
+  </p:clrMapOvr>
+</p:sld>
+</file>
+
 <file path=ppt/slides/slide2.xml><?xml version="1.0" encoding="utf-8"?>
 <p:sld xmlns:a="http://schemas.openxmlformats.org/drawingml/2006/main" xmlns:r="http://schemas.openxmlformats.org/officeDocument/2006/relationships" xmlns:p="http://schemas.openxmlformats.org/presentationml/2006/main">
   <p:cSld>

--- a/presentation.pptx
+++ b/presentation.pptx
@@ -18,6 +18,7 @@
     <p:sldId id="265" r:id="rId12"/>
     <p:sldId id="257" r:id="rId13"/>
     <p:sldId id="271" r:id="rId14"/>
+    <p:sldId id="272" r:id="rId15"/>
   </p:sldIdLst>
   <p:sldSz cx="12192000" cy="6858000"/>
   <p:notesSz cx="6858000" cy="9144000"/>
@@ -4043,7 +4044,7 @@
           <a:p>
             <a:fld id="{AEACF533-26F3-064A-A93F-8F02FFC49F4C}" type="datetimeFigureOut">
               <a:rPr lang="en-US" smtClean="0"/>
-              <a:t>4/9/21</a:t>
+              <a:t>4/20/21</a:t>
             </a:fld>
             <a:endParaRPr lang="en-US"/>
           </a:p>
@@ -4215,7 +4216,7 @@
           <a:p>
             <a:fld id="{AEACF533-26F3-064A-A93F-8F02FFC49F4C}" type="datetimeFigureOut">
               <a:rPr lang="en-US" smtClean="0"/>
-              <a:t>4/9/21</a:t>
+              <a:t>4/20/21</a:t>
             </a:fld>
             <a:endParaRPr lang="en-US"/>
           </a:p>
@@ -4390,7 +4391,7 @@
           <a:p>
             <a:fld id="{AEACF533-26F3-064A-A93F-8F02FFC49F4C}" type="datetimeFigureOut">
               <a:rPr lang="en-US" smtClean="0"/>
-              <a:t>4/9/21</a:t>
+              <a:t>4/20/21</a:t>
             </a:fld>
             <a:endParaRPr lang="en-US"/>
           </a:p>
@@ -4555,7 +4556,7 @@
           <a:p>
             <a:fld id="{AEACF533-26F3-064A-A93F-8F02FFC49F4C}" type="datetimeFigureOut">
               <a:rPr lang="en-US" smtClean="0"/>
-              <a:t>4/9/21</a:t>
+              <a:t>4/20/21</a:t>
             </a:fld>
             <a:endParaRPr lang="en-US"/>
           </a:p>
@@ -4871,7 +4872,7 @@
           <a:p>
             <a:fld id="{AEACF533-26F3-064A-A93F-8F02FFC49F4C}" type="datetimeFigureOut">
               <a:rPr lang="en-US" smtClean="0"/>
-              <a:t>4/9/21</a:t>
+              <a:t>4/20/21</a:t>
             </a:fld>
             <a:endParaRPr lang="en-US"/>
           </a:p>
@@ -5324,7 +5325,7 @@
           <a:p>
             <a:fld id="{AEACF533-26F3-064A-A93F-8F02FFC49F4C}" type="datetimeFigureOut">
               <a:rPr lang="en-US" smtClean="0"/>
-              <a:t>4/9/21</a:t>
+              <a:t>4/20/21</a:t>
             </a:fld>
             <a:endParaRPr lang="en-US"/>
           </a:p>
@@ -5730,7 +5731,7 @@
           <a:p>
             <a:fld id="{AEACF533-26F3-064A-A93F-8F02FFC49F4C}" type="datetimeFigureOut">
               <a:rPr lang="en-US" smtClean="0"/>
-              <a:t>4/9/21</a:t>
+              <a:t>4/20/21</a:t>
             </a:fld>
             <a:endParaRPr lang="en-US"/>
           </a:p>
@@ -5843,7 +5844,7 @@
           <a:p>
             <a:fld id="{AEACF533-26F3-064A-A93F-8F02FFC49F4C}" type="datetimeFigureOut">
               <a:rPr lang="en-US" smtClean="0"/>
-              <a:t>4/9/21</a:t>
+              <a:t>4/20/21</a:t>
             </a:fld>
             <a:endParaRPr lang="en-US"/>
           </a:p>
@@ -5955,7 +5956,7 @@
           <a:p>
             <a:fld id="{AEACF533-26F3-064A-A93F-8F02FFC49F4C}" type="datetimeFigureOut">
               <a:rPr lang="en-US" smtClean="0"/>
-              <a:t>4/9/21</a:t>
+              <a:t>4/20/21</a:t>
             </a:fld>
             <a:endParaRPr lang="en-US"/>
           </a:p>
@@ -6308,7 +6309,7 @@
           <a:p>
             <a:fld id="{AEACF533-26F3-064A-A93F-8F02FFC49F4C}" type="datetimeFigureOut">
               <a:rPr lang="en-US" smtClean="0"/>
-              <a:t>4/9/21</a:t>
+              <a:t>4/20/21</a:t>
             </a:fld>
             <a:endParaRPr lang="en-US"/>
           </a:p>
@@ -6808,7 +6809,7 @@
           <a:p>
             <a:fld id="{AEACF533-26F3-064A-A93F-8F02FFC49F4C}" type="datetimeFigureOut">
               <a:rPr lang="en-US" smtClean="0"/>
-              <a:t>4/9/21</a:t>
+              <a:t>4/20/21</a:t>
             </a:fld>
             <a:endParaRPr lang="en-US"/>
           </a:p>
@@ -7156,7 +7157,7 @@
           <a:p>
             <a:fld id="{AEACF533-26F3-064A-A93F-8F02FFC49F4C}" type="datetimeFigureOut">
               <a:rPr lang="en-US" smtClean="0"/>
-              <a:t>4/9/21</a:t>
+              <a:t>4/20/21</a:t>
             </a:fld>
             <a:endParaRPr lang="en-US"/>
           </a:p>
@@ -14116,6 +14117,530 @@
 </p:sld>
 </file>
 
+<file path=ppt/slides/slide14.xml><?xml version="1.0" encoding="utf-8"?>
+<p:sld xmlns:a="http://schemas.openxmlformats.org/drawingml/2006/main" xmlns:r="http://schemas.openxmlformats.org/officeDocument/2006/relationships" xmlns:p="http://schemas.openxmlformats.org/presentationml/2006/main">
+  <p:cSld>
+    <p:spTree>
+      <p:nvGrpSpPr>
+        <p:cNvPr id="1" name=""/>
+        <p:cNvGrpSpPr/>
+        <p:nvPr/>
+      </p:nvGrpSpPr>
+      <p:grpSpPr>
+        <a:xfrm>
+          <a:off x="0" y="0"/>
+          <a:ext cx="0" cy="0"/>
+          <a:chOff x="0" y="0"/>
+          <a:chExt cx="0" cy="0"/>
+        </a:xfrm>
+      </p:grpSpPr>
+      <p:sp>
+        <p:nvSpPr>
+          <p:cNvPr id="4" name="Rectangle 3">
+            <a:extLst>
+              <a:ext uri="{FF2B5EF4-FFF2-40B4-BE49-F238E27FC236}">
+                <a16:creationId xmlns:a16="http://schemas.microsoft.com/office/drawing/2014/main" id="{1005F11E-BC37-4E44-9181-46A559DA91DC}"/>
+              </a:ext>
+            </a:extLst>
+          </p:cNvPr>
+          <p:cNvSpPr/>
+          <p:nvPr/>
+        </p:nvSpPr>
+        <p:spPr>
+          <a:xfrm>
+            <a:off x="4667086" y="2603740"/>
+            <a:ext cx="2033518" cy="709086"/>
+          </a:xfrm>
+          <a:prstGeom prst="rect">
+            <a:avLst/>
+          </a:prstGeom>
+          <a:solidFill>
+            <a:schemeClr val="accent4">
+              <a:lumMod val="60000"/>
+              <a:lumOff val="40000"/>
+            </a:schemeClr>
+          </a:solidFill>
+          <a:ln>
+            <a:solidFill>
+              <a:schemeClr val="accent4">
+                <a:lumMod val="75000"/>
+              </a:schemeClr>
+            </a:solidFill>
+          </a:ln>
+        </p:spPr>
+        <p:style>
+          <a:lnRef idx="2">
+            <a:schemeClr val="accent1">
+              <a:shade val="50000"/>
+            </a:schemeClr>
+          </a:lnRef>
+          <a:fillRef idx="1">
+            <a:schemeClr val="accent1"/>
+          </a:fillRef>
+          <a:effectRef idx="0">
+            <a:schemeClr val="accent1"/>
+          </a:effectRef>
+          <a:fontRef idx="minor">
+            <a:schemeClr val="lt1"/>
+          </a:fontRef>
+        </p:style>
+        <p:txBody>
+          <a:bodyPr rtlCol="0" anchor="ctr"/>
+          <a:lstStyle/>
+          <a:p>
+            <a:pPr algn="ctr"/>
+            <a:r>
+              <a:rPr lang="en-US" altLang="zh-CN" dirty="0">
+                <a:solidFill>
+                  <a:schemeClr val="tx1"/>
+                </a:solidFill>
+              </a:rPr>
+              <a:t>Seq2Seq</a:t>
+            </a:r>
+            <a:r>
+              <a:rPr lang="zh-CN" altLang="en-US" dirty="0">
+                <a:solidFill>
+                  <a:schemeClr val="tx1"/>
+                </a:solidFill>
+              </a:rPr>
+              <a:t> </a:t>
+            </a:r>
+            <a:r>
+              <a:rPr lang="en-US" altLang="zh-CN" dirty="0">
+                <a:solidFill>
+                  <a:schemeClr val="tx1"/>
+                </a:solidFill>
+              </a:rPr>
+              <a:t>model</a:t>
+            </a:r>
+            <a:endParaRPr lang="en-US" dirty="0">
+              <a:solidFill>
+                <a:schemeClr val="tx1"/>
+              </a:solidFill>
+            </a:endParaRPr>
+          </a:p>
+        </p:txBody>
+      </p:sp>
+      <p:sp>
+        <p:nvSpPr>
+          <p:cNvPr id="6" name="Rectangle 5">
+            <a:extLst>
+              <a:ext uri="{FF2B5EF4-FFF2-40B4-BE49-F238E27FC236}">
+                <a16:creationId xmlns:a16="http://schemas.microsoft.com/office/drawing/2014/main" id="{F35B2EA0-579B-B44C-8898-05D03CEDCBF7}"/>
+              </a:ext>
+            </a:extLst>
+          </p:cNvPr>
+          <p:cNvSpPr/>
+          <p:nvPr/>
+        </p:nvSpPr>
+        <p:spPr>
+          <a:xfrm>
+            <a:off x="7012554" y="2603740"/>
+            <a:ext cx="1558830" cy="709086"/>
+          </a:xfrm>
+          <a:prstGeom prst="rect">
+            <a:avLst/>
+          </a:prstGeom>
+          <a:solidFill>
+            <a:schemeClr val="accent4">
+              <a:lumMod val="60000"/>
+              <a:lumOff val="40000"/>
+            </a:schemeClr>
+          </a:solidFill>
+          <a:ln>
+            <a:solidFill>
+              <a:schemeClr val="accent4">
+                <a:lumMod val="75000"/>
+              </a:schemeClr>
+            </a:solidFill>
+          </a:ln>
+        </p:spPr>
+        <p:style>
+          <a:lnRef idx="2">
+            <a:schemeClr val="accent1">
+              <a:shade val="50000"/>
+            </a:schemeClr>
+          </a:lnRef>
+          <a:fillRef idx="1">
+            <a:schemeClr val="accent1"/>
+          </a:fillRef>
+          <a:effectRef idx="0">
+            <a:schemeClr val="accent1"/>
+          </a:effectRef>
+          <a:fontRef idx="minor">
+            <a:schemeClr val="lt1"/>
+          </a:fontRef>
+        </p:style>
+        <p:txBody>
+          <a:bodyPr rtlCol="0" anchor="ctr"/>
+          <a:lstStyle/>
+          <a:p>
+            <a:pPr algn="ctr"/>
+            <a:r>
+              <a:rPr lang="en-US" altLang="zh-CN" dirty="0">
+                <a:solidFill>
+                  <a:schemeClr val="tx1"/>
+                </a:solidFill>
+              </a:rPr>
+              <a:t>Predictions</a:t>
+            </a:r>
+            <a:endParaRPr lang="en-US" dirty="0">
+              <a:solidFill>
+                <a:schemeClr val="tx1"/>
+              </a:solidFill>
+            </a:endParaRPr>
+          </a:p>
+        </p:txBody>
+      </p:sp>
+      <p:grpSp>
+        <p:nvGrpSpPr>
+          <p:cNvPr id="20" name="Group 19">
+            <a:extLst>
+              <a:ext uri="{FF2B5EF4-FFF2-40B4-BE49-F238E27FC236}">
+                <a16:creationId xmlns:a16="http://schemas.microsoft.com/office/drawing/2014/main" id="{27CF5F9F-E29D-6D49-981D-7F638E1570AC}"/>
+              </a:ext>
+            </a:extLst>
+          </p:cNvPr>
+          <p:cNvGrpSpPr/>
+          <p:nvPr/>
+        </p:nvGrpSpPr>
+        <p:grpSpPr>
+          <a:xfrm>
+            <a:off x="2975509" y="2609507"/>
+            <a:ext cx="1386443" cy="1343573"/>
+            <a:chOff x="2570960" y="2603740"/>
+            <a:chExt cx="1386443" cy="1343573"/>
+          </a:xfrm>
+        </p:grpSpPr>
+        <p:sp>
+          <p:nvSpPr>
+            <p:cNvPr id="5" name="Rectangle 4">
+              <a:extLst>
+                <a:ext uri="{FF2B5EF4-FFF2-40B4-BE49-F238E27FC236}">
+                  <a16:creationId xmlns:a16="http://schemas.microsoft.com/office/drawing/2014/main" id="{FBC25042-A74D-0640-A956-EBDB924B314B}"/>
+                </a:ext>
+              </a:extLst>
+            </p:cNvPr>
+            <p:cNvSpPr/>
+            <p:nvPr/>
+          </p:nvSpPr>
+          <p:spPr>
+            <a:xfrm>
+              <a:off x="2570960" y="2603740"/>
+              <a:ext cx="1386443" cy="709086"/>
+            </a:xfrm>
+            <a:prstGeom prst="rect">
+              <a:avLst/>
+            </a:prstGeom>
+            <a:solidFill>
+              <a:schemeClr val="accent4">
+                <a:lumMod val="60000"/>
+                <a:lumOff val="40000"/>
+              </a:schemeClr>
+            </a:solidFill>
+            <a:ln>
+              <a:solidFill>
+                <a:schemeClr val="accent4">
+                  <a:lumMod val="75000"/>
+                </a:schemeClr>
+              </a:solidFill>
+            </a:ln>
+          </p:spPr>
+          <p:style>
+            <a:lnRef idx="2">
+              <a:schemeClr val="accent1">
+                <a:shade val="50000"/>
+              </a:schemeClr>
+            </a:lnRef>
+            <a:fillRef idx="1">
+              <a:schemeClr val="accent1"/>
+            </a:fillRef>
+            <a:effectRef idx="0">
+              <a:schemeClr val="accent1"/>
+            </a:effectRef>
+            <a:fontRef idx="minor">
+              <a:schemeClr val="lt1"/>
+            </a:fontRef>
+          </p:style>
+          <p:txBody>
+            <a:bodyPr rtlCol="0" anchor="ctr"/>
+            <a:lstStyle/>
+            <a:p>
+              <a:pPr algn="ctr"/>
+              <a:r>
+                <a:rPr lang="en-US" altLang="zh-CN" dirty="0">
+                  <a:solidFill>
+                    <a:schemeClr val="tx1"/>
+                  </a:solidFill>
+                </a:rPr>
+                <a:t>PCs</a:t>
+              </a:r>
+              <a:endParaRPr lang="en-US" dirty="0">
+                <a:solidFill>
+                  <a:schemeClr val="tx1"/>
+                </a:solidFill>
+              </a:endParaRPr>
+            </a:p>
+          </p:txBody>
+        </p:sp>
+        <p:cxnSp>
+          <p:nvCxnSpPr>
+            <p:cNvPr id="8" name="Straight Connector 7">
+              <a:extLst>
+                <a:ext uri="{FF2B5EF4-FFF2-40B4-BE49-F238E27FC236}">
+                  <a16:creationId xmlns:a16="http://schemas.microsoft.com/office/drawing/2014/main" id="{58105FB4-C34E-2246-A768-1E0373FD8314}"/>
+                </a:ext>
+              </a:extLst>
+            </p:cNvPr>
+            <p:cNvCxnSpPr/>
+            <p:nvPr/>
+          </p:nvCxnSpPr>
+          <p:spPr>
+            <a:xfrm>
+              <a:off x="2570960" y="3312826"/>
+              <a:ext cx="0" cy="344774"/>
+            </a:xfrm>
+            <a:prstGeom prst="line">
+              <a:avLst/>
+            </a:prstGeom>
+            <a:ln w="19050"/>
+          </p:spPr>
+          <p:style>
+            <a:lnRef idx="1">
+              <a:schemeClr val="accent2"/>
+            </a:lnRef>
+            <a:fillRef idx="0">
+              <a:schemeClr val="accent2"/>
+            </a:fillRef>
+            <a:effectRef idx="0">
+              <a:schemeClr val="accent2"/>
+            </a:effectRef>
+            <a:fontRef idx="minor">
+              <a:schemeClr val="tx1"/>
+            </a:fontRef>
+          </p:style>
+        </p:cxnSp>
+        <p:cxnSp>
+          <p:nvCxnSpPr>
+            <p:cNvPr id="9" name="Straight Connector 8">
+              <a:extLst>
+                <a:ext uri="{FF2B5EF4-FFF2-40B4-BE49-F238E27FC236}">
+                  <a16:creationId xmlns:a16="http://schemas.microsoft.com/office/drawing/2014/main" id="{097EC529-034C-A94D-8D5F-688459541B4D}"/>
+                </a:ext>
+              </a:extLst>
+            </p:cNvPr>
+            <p:cNvCxnSpPr/>
+            <p:nvPr/>
+          </p:nvCxnSpPr>
+          <p:spPr>
+            <a:xfrm>
+              <a:off x="3957403" y="3312826"/>
+              <a:ext cx="0" cy="344774"/>
+            </a:xfrm>
+            <a:prstGeom prst="line">
+              <a:avLst/>
+            </a:prstGeom>
+            <a:ln w="19050"/>
+          </p:spPr>
+          <p:style>
+            <a:lnRef idx="1">
+              <a:schemeClr val="accent2"/>
+            </a:lnRef>
+            <a:fillRef idx="0">
+              <a:schemeClr val="accent2"/>
+            </a:fillRef>
+            <a:effectRef idx="0">
+              <a:schemeClr val="accent2"/>
+            </a:effectRef>
+            <a:fontRef idx="minor">
+              <a:schemeClr val="tx1"/>
+            </a:fontRef>
+          </p:style>
+        </p:cxnSp>
+        <p:cxnSp>
+          <p:nvCxnSpPr>
+            <p:cNvPr id="11" name="Straight Arrow Connector 10">
+              <a:extLst>
+                <a:ext uri="{FF2B5EF4-FFF2-40B4-BE49-F238E27FC236}">
+                  <a16:creationId xmlns:a16="http://schemas.microsoft.com/office/drawing/2014/main" id="{E73C5EAC-06DE-B041-B7F5-F841B3FAE5C1}"/>
+                </a:ext>
+              </a:extLst>
+            </p:cNvPr>
+            <p:cNvCxnSpPr>
+              <a:cxnSpLocks/>
+            </p:cNvCxnSpPr>
+            <p:nvPr/>
+          </p:nvCxnSpPr>
+          <p:spPr>
+            <a:xfrm>
+              <a:off x="2570960" y="3537736"/>
+              <a:ext cx="1386443" cy="0"/>
+            </a:xfrm>
+            <a:prstGeom prst="straightConnector1">
+              <a:avLst/>
+            </a:prstGeom>
+            <a:ln w="19050">
+              <a:headEnd type="triangle"/>
+              <a:tailEnd type="triangle"/>
+            </a:ln>
+          </p:spPr>
+          <p:style>
+            <a:lnRef idx="1">
+              <a:schemeClr val="dk1"/>
+            </a:lnRef>
+            <a:fillRef idx="0">
+              <a:schemeClr val="dk1"/>
+            </a:fillRef>
+            <a:effectRef idx="0">
+              <a:schemeClr val="dk1"/>
+            </a:effectRef>
+            <a:fontRef idx="minor">
+              <a:schemeClr val="tx1"/>
+            </a:fontRef>
+          </p:style>
+        </p:cxnSp>
+        <p:sp>
+          <p:nvSpPr>
+            <p:cNvPr id="12" name="TextBox 11">
+              <a:extLst>
+                <a:ext uri="{FF2B5EF4-FFF2-40B4-BE49-F238E27FC236}">
+                  <a16:creationId xmlns:a16="http://schemas.microsoft.com/office/drawing/2014/main" id="{F33F4666-67AE-4548-ABE8-4C3A9BAA45D9}"/>
+                </a:ext>
+              </a:extLst>
+            </p:cNvPr>
+            <p:cNvSpPr txBox="1"/>
+            <p:nvPr/>
+          </p:nvSpPr>
+          <p:spPr>
+            <a:xfrm>
+              <a:off x="3020364" y="3577981"/>
+              <a:ext cx="487634" cy="369332"/>
+            </a:xfrm>
+            <a:prstGeom prst="rect">
+              <a:avLst/>
+            </a:prstGeom>
+            <a:noFill/>
+          </p:spPr>
+          <p:txBody>
+            <a:bodyPr wrap="none" rtlCol="0">
+              <a:spAutoFit/>
+            </a:bodyPr>
+            <a:lstStyle/>
+            <a:p>
+              <a:r>
+                <a:rPr lang="en-US" altLang="zh-CN" dirty="0"/>
+                <a:t>IW</a:t>
+              </a:r>
+              <a:endParaRPr lang="en-US" dirty="0"/>
+            </a:p>
+          </p:txBody>
+        </p:sp>
+      </p:grpSp>
+      <p:cxnSp>
+        <p:nvCxnSpPr>
+          <p:cNvPr id="14" name="Straight Arrow Connector 13">
+            <a:extLst>
+              <a:ext uri="{FF2B5EF4-FFF2-40B4-BE49-F238E27FC236}">
+                <a16:creationId xmlns:a16="http://schemas.microsoft.com/office/drawing/2014/main" id="{20F696BF-D4DA-E042-BC45-81E2E153DBF9}"/>
+              </a:ext>
+            </a:extLst>
+          </p:cNvPr>
+          <p:cNvCxnSpPr>
+            <a:cxnSpLocks/>
+            <a:stCxn id="5" idx="3"/>
+            <a:endCxn id="4" idx="1"/>
+          </p:cNvCxnSpPr>
+          <p:nvPr/>
+        </p:nvCxnSpPr>
+        <p:spPr>
+          <a:xfrm flipV="1">
+            <a:off x="4361952" y="2958283"/>
+            <a:ext cx="305134" cy="5767"/>
+          </a:xfrm>
+          <a:prstGeom prst="straightConnector1">
+            <a:avLst/>
+          </a:prstGeom>
+          <a:ln w="25400">
+            <a:solidFill>
+              <a:schemeClr val="accent3"/>
+            </a:solidFill>
+            <a:tailEnd type="triangle"/>
+          </a:ln>
+        </p:spPr>
+        <p:style>
+          <a:lnRef idx="1">
+            <a:schemeClr val="accent1"/>
+          </a:lnRef>
+          <a:fillRef idx="0">
+            <a:schemeClr val="accent1"/>
+          </a:fillRef>
+          <a:effectRef idx="0">
+            <a:schemeClr val="accent1"/>
+          </a:effectRef>
+          <a:fontRef idx="minor">
+            <a:schemeClr val="tx1"/>
+          </a:fontRef>
+        </p:style>
+      </p:cxnSp>
+      <p:cxnSp>
+        <p:nvCxnSpPr>
+          <p:cNvPr id="16" name="Straight Arrow Connector 15">
+            <a:extLst>
+              <a:ext uri="{FF2B5EF4-FFF2-40B4-BE49-F238E27FC236}">
+                <a16:creationId xmlns:a16="http://schemas.microsoft.com/office/drawing/2014/main" id="{789AAAB9-52B8-344A-8AF1-2E4391FDC676}"/>
+              </a:ext>
+            </a:extLst>
+          </p:cNvPr>
+          <p:cNvCxnSpPr>
+            <a:cxnSpLocks/>
+            <a:stCxn id="4" idx="3"/>
+            <a:endCxn id="6" idx="1"/>
+          </p:cNvCxnSpPr>
+          <p:nvPr/>
+        </p:nvCxnSpPr>
+        <p:spPr>
+          <a:xfrm>
+            <a:off x="6700604" y="2958283"/>
+            <a:ext cx="311950" cy="0"/>
+          </a:xfrm>
+          <a:prstGeom prst="straightConnector1">
+            <a:avLst/>
+          </a:prstGeom>
+          <a:ln w="25400">
+            <a:solidFill>
+              <a:schemeClr val="accent2"/>
+            </a:solidFill>
+            <a:tailEnd type="triangle"/>
+          </a:ln>
+        </p:spPr>
+        <p:style>
+          <a:lnRef idx="1">
+            <a:schemeClr val="accent1"/>
+          </a:lnRef>
+          <a:fillRef idx="0">
+            <a:schemeClr val="accent1"/>
+          </a:fillRef>
+          <a:effectRef idx="0">
+            <a:schemeClr val="accent1"/>
+          </a:effectRef>
+          <a:fontRef idx="minor">
+            <a:schemeClr val="tx1"/>
+          </a:fontRef>
+        </p:style>
+      </p:cxnSp>
+    </p:spTree>
+    <p:extLst>
+      <p:ext uri="{BB962C8B-B14F-4D97-AF65-F5344CB8AC3E}">
+        <p14:creationId xmlns:p14="http://schemas.microsoft.com/office/powerpoint/2010/main" val="510774938"/>
+      </p:ext>
+    </p:extLst>
+  </p:cSld>
+  <p:clrMapOvr>
+    <a:masterClrMapping/>
+  </p:clrMapOvr>
+</p:sld>
+</file>
+
 <file path=ppt/slides/slide2.xml><?xml version="1.0" encoding="utf-8"?>
 <p:sld xmlns:a="http://schemas.openxmlformats.org/drawingml/2006/main" xmlns:r="http://schemas.openxmlformats.org/officeDocument/2006/relationships" xmlns:p="http://schemas.openxmlformats.org/presentationml/2006/main">
   <p:cSld>
